--- a/Xecured Password Manager Documents/Xecure Password Manager.pptx
+++ b/Xecured Password Manager Documents/Xecure Password Manager.pptx
@@ -5,7 +5,7 @@
     <p:sldMasterId id="2147483976" r:id="rId1"/>
   </p:sldMasterIdLst>
   <p:notesMasterIdLst>
-    <p:notesMasterId r:id="rId16"/>
+    <p:notesMasterId r:id="rId17"/>
   </p:notesMasterIdLst>
   <p:sldIdLst>
     <p:sldId id="256" r:id="rId2"/>
@@ -22,6 +22,7 @@
     <p:sldId id="276" r:id="rId13"/>
     <p:sldId id="277" r:id="rId14"/>
     <p:sldId id="262" r:id="rId15"/>
+    <p:sldId id="278" r:id="rId16"/>
   </p:sldIdLst>
   <p:sldSz cx="12192000" cy="6858000"/>
   <p:notesSz cx="6858000" cy="9144000"/>
@@ -898,7 +899,7 @@
         <a:p>
           <a:r>
             <a:rPr lang="en-US" dirty="0"/>
-            <a:t>Created a document containing test cases.</a:t>
+            <a:t>Create a document containing test cases.</a:t>
           </a:r>
         </a:p>
       </dgm:t>
@@ -934,7 +935,7 @@
         <a:p>
           <a:r>
             <a:rPr lang="en-US" dirty="0"/>
-            <a:t>Fixed findings.</a:t>
+            <a:t>Fix findings.</a:t>
           </a:r>
         </a:p>
       </dgm:t>
@@ -970,7 +971,7 @@
         <a:p>
           <a:r>
             <a:rPr lang="en-US" dirty="0"/>
-            <a:t>Created a usability test for volunteers.</a:t>
+            <a:t>Create a usability test for volunteers.</a:t>
           </a:r>
         </a:p>
       </dgm:t>
@@ -1006,7 +1007,7 @@
         <a:p>
           <a:r>
             <a:rPr lang="en-US" dirty="0"/>
-            <a:t>Fixed any new findings</a:t>
+            <a:t>Fix any new findings</a:t>
           </a:r>
         </a:p>
       </dgm:t>
@@ -1219,7 +1220,7 @@
           </a:pPr>
           <a:r>
             <a:rPr lang="en-US" sz="2700" kern="1200" dirty="0"/>
-            <a:t>Created a document containing test cases.</a:t>
+            <a:t>Create a document containing test cases.</a:t>
           </a:r>
         </a:p>
       </dsp:txBody>
@@ -1297,7 +1298,7 @@
           </a:pPr>
           <a:r>
             <a:rPr lang="en-US" sz="2700" kern="1200" dirty="0"/>
-            <a:t>Fixed findings.</a:t>
+            <a:t>Fix findings.</a:t>
           </a:r>
         </a:p>
       </dsp:txBody>
@@ -1375,7 +1376,7 @@
           </a:pPr>
           <a:r>
             <a:rPr lang="en-US" sz="2700" kern="1200" dirty="0"/>
-            <a:t>Created a usability test for volunteers.</a:t>
+            <a:t>Create a usability test for volunteers.</a:t>
           </a:r>
         </a:p>
       </dsp:txBody>
@@ -1453,7 +1454,7 @@
           </a:pPr>
           <a:r>
             <a:rPr lang="en-US" sz="2700" kern="1200" dirty="0"/>
-            <a:t>Fixed any new findings</a:t>
+            <a:t>Fix any new findings</a:t>
           </a:r>
         </a:p>
       </dsp:txBody>
@@ -2815,7 +2816,7 @@
           <a:p>
             <a:fld id="{DAA9AC6E-9236-48CD-8CA7-B2BACDF2F88F}" type="datetimeFigureOut">
               <a:rPr lang="en-US" smtClean="0"/>
-              <a:t>4/4/2022</a:t>
+              <a:t>4/6/2022</a:t>
             </a:fld>
             <a:endParaRPr lang="en-US"/>
           </a:p>
@@ -3145,7 +3146,136 @@
             </a:pPr>
             <a:r>
               <a:rPr lang="en-US" dirty="0"/>
-              <a:t>The management of passwords is one of the most important aspects of Cybersecurity and it is imperative that users implement and practice safe password management practices. In order to ensure safe password management practices users must create strong and unique passwords for every one of their accounts. User should then be able to log into all their accounts in an efficient and effortless manner. Unfortunately, most users have far too many online accounts to remember a unique password for each account. A survey conducted by Nate Lord (2020) indicates that the average user has over 90 different online accounts. </a:t>
+              <a:t>The management of passwords is one of the most important aspects of Cybersecurity and it is imperative that users implement and practice safe password management practices. </a:t>
+            </a:r>
+          </a:p>
+          <a:p>
+            <a:pPr marL="0" marR="0" lvl="0" indent="0" algn="l" defTabSz="914400" rtl="0" eaLnBrk="1" fontAlgn="auto" latinLnBrk="0" hangingPunct="1">
+              <a:lnSpc>
+                <a:spcPct val="100000"/>
+              </a:lnSpc>
+              <a:spcBef>
+                <a:spcPts val="0"/>
+              </a:spcBef>
+              <a:spcAft>
+                <a:spcPts val="0"/>
+              </a:spcAft>
+              <a:buClrTx/>
+              <a:buSzTx/>
+              <a:buFontTx/>
+              <a:buNone/>
+              <a:tabLst/>
+              <a:defRPr/>
+            </a:pPr>
+            <a:endParaRPr lang="en-US" dirty="0"/>
+          </a:p>
+          <a:p>
+            <a:pPr marL="0" marR="0" lvl="0" indent="0" algn="l" defTabSz="914400" rtl="0" eaLnBrk="1" fontAlgn="auto" latinLnBrk="0" hangingPunct="1">
+              <a:lnSpc>
+                <a:spcPct val="100000"/>
+              </a:lnSpc>
+              <a:spcBef>
+                <a:spcPts val="0"/>
+              </a:spcBef>
+              <a:spcAft>
+                <a:spcPts val="0"/>
+              </a:spcAft>
+              <a:buClrTx/>
+              <a:buSzTx/>
+              <a:buFontTx/>
+              <a:buNone/>
+              <a:tabLst/>
+              <a:defRPr/>
+            </a:pPr>
+            <a:r>
+              <a:rPr lang="en-US" dirty="0"/>
+              <a:t>The first step to implementing these safe practices should be to ensure that you are creating strong and unique passwords for every one of your online accounts.</a:t>
+            </a:r>
+          </a:p>
+          <a:p>
+            <a:pPr marL="0" marR="0" lvl="0" indent="0" algn="l" defTabSz="914400" rtl="0" eaLnBrk="1" fontAlgn="auto" latinLnBrk="0" hangingPunct="1">
+              <a:lnSpc>
+                <a:spcPct val="100000"/>
+              </a:lnSpc>
+              <a:spcBef>
+                <a:spcPts val="0"/>
+              </a:spcBef>
+              <a:spcAft>
+                <a:spcPts val="0"/>
+              </a:spcAft>
+              <a:buClrTx/>
+              <a:buSzTx/>
+              <a:buFontTx/>
+              <a:buNone/>
+              <a:tabLst/>
+              <a:defRPr/>
+            </a:pPr>
+            <a:endParaRPr lang="en-US" dirty="0"/>
+          </a:p>
+          <a:p>
+            <a:pPr marL="0" marR="0" lvl="0" indent="0" algn="l" defTabSz="914400" rtl="0" eaLnBrk="1" fontAlgn="auto" latinLnBrk="0" hangingPunct="1">
+              <a:lnSpc>
+                <a:spcPct val="100000"/>
+              </a:lnSpc>
+              <a:spcBef>
+                <a:spcPts val="0"/>
+              </a:spcBef>
+              <a:spcAft>
+                <a:spcPts val="0"/>
+              </a:spcAft>
+              <a:buClrTx/>
+              <a:buSzTx/>
+              <a:buFontTx/>
+              <a:buNone/>
+              <a:tabLst/>
+              <a:defRPr/>
+            </a:pPr>
+            <a:r>
+              <a:rPr lang="en-US" dirty="0"/>
+              <a:t>Unfortunately, most users have far too many online accounts to remember a unique password for each account. </a:t>
+            </a:r>
+          </a:p>
+          <a:p>
+            <a:pPr marL="0" marR="0" lvl="0" indent="0" algn="l" defTabSz="914400" rtl="0" eaLnBrk="1" fontAlgn="auto" latinLnBrk="0" hangingPunct="1">
+              <a:lnSpc>
+                <a:spcPct val="100000"/>
+              </a:lnSpc>
+              <a:spcBef>
+                <a:spcPts val="0"/>
+              </a:spcBef>
+              <a:spcAft>
+                <a:spcPts val="0"/>
+              </a:spcAft>
+              <a:buClrTx/>
+              <a:buSzTx/>
+              <a:buFontTx/>
+              <a:buNone/>
+              <a:tabLst/>
+              <a:defRPr/>
+            </a:pPr>
+            <a:endParaRPr lang="en-US" dirty="0"/>
+          </a:p>
+          <a:p>
+            <a:pPr marL="0" marR="0" lvl="0" indent="0" algn="l" defTabSz="914400" rtl="0" eaLnBrk="1" fontAlgn="auto" latinLnBrk="0" hangingPunct="1">
+              <a:lnSpc>
+                <a:spcPct val="100000"/>
+              </a:lnSpc>
+              <a:spcBef>
+                <a:spcPts val="0"/>
+              </a:spcBef>
+              <a:spcAft>
+                <a:spcPts val="0"/>
+              </a:spcAft>
+              <a:buClrTx/>
+              <a:buSzTx/>
+              <a:buFontTx/>
+              <a:buNone/>
+              <a:tabLst/>
+              <a:defRPr/>
+            </a:pPr>
+            <a:r>
+              <a:rPr lang="en-US" dirty="0"/>
+              <a:t>A 2020 survey indicates that the average user has over 90 different online accounts….. So imagine having to remember that many passwords.</a:t>
             </a:r>
           </a:p>
           <a:p>
@@ -3253,7 +3383,46 @@
             <a:endParaRPr lang="en-US" dirty="0"/>
           </a:p>
           <a:p>
+            <a:r>
+              <a:rPr lang="en-US" dirty="0"/>
+              <a:t>If passwords are not sanitized from the clipboard they will remain in memory for longer and this will increase the risk of the password being exposed</a:t>
+            </a:r>
+          </a:p>
+          <a:p>
             <a:endParaRPr lang="en-US" dirty="0"/>
+          </a:p>
+          <a:p>
+            <a:r>
+              <a:rPr lang="en-US" dirty="0"/>
+              <a:t>If an attacker were to gain access to the system they can steal all of the data, including encryption/decryption keys. They could also modify the code in order to make it easier to retrieve the data.</a:t>
+            </a:r>
+          </a:p>
+          <a:p>
+            <a:endParaRPr lang="en-US" dirty="0"/>
+          </a:p>
+          <a:p>
+            <a:r>
+              <a:rPr lang="en-US" dirty="0"/>
+              <a:t>If the system is infected with spyware or malware it can reveal your passwords, or give an attacker remote access to your system, and this leads back to the previous point.</a:t>
+            </a:r>
+          </a:p>
+          <a:p>
+            <a:endParaRPr lang="en-US" dirty="0"/>
+          </a:p>
+          <a:p>
+            <a:r>
+              <a:rPr lang="en-US" dirty="0"/>
+              <a:t>Deleting the database will mean that the data within it is also lost, and unless a backup was made, there is no recovering from that.</a:t>
+            </a:r>
+          </a:p>
+          <a:p>
+            <a:endParaRPr lang="en-US" dirty="0"/>
+          </a:p>
+          <a:p>
+            <a:r>
+              <a:rPr lang="en-US" dirty="0"/>
+              <a:t>Attackers can try to memorize the information from your records If they are displayed in a public environment</a:t>
+            </a:r>
           </a:p>
         </p:txBody>
       </p:sp>
@@ -3357,6 +3526,380 @@
             <a:endParaRPr lang="en-US" dirty="0"/>
           </a:p>
           <a:p>
+            <a:pPr marL="342900" marR="0" lvl="0" indent="-342900">
+              <a:lnSpc>
+                <a:spcPct val="200000"/>
+              </a:lnSpc>
+              <a:spcBef>
+                <a:spcPts val="0"/>
+              </a:spcBef>
+              <a:spcAft>
+                <a:spcPts val="0"/>
+              </a:spcAft>
+              <a:buFont typeface="Symbol" panose="05050102010706020507" pitchFamily="18" charset="2"/>
+              <a:buChar char=""/>
+              <a:tabLst>
+                <a:tab pos="228600" algn="l"/>
+                <a:tab pos="685800" algn="l"/>
+              </a:tabLst>
+            </a:pPr>
+            <a:r>
+              <a:rPr lang="en-US" sz="1800" dirty="0">
+                <a:effectLst/>
+                <a:latin typeface="Times New Roman" panose="02020603050405020304" pitchFamily="18" charset="0"/>
+                <a:ea typeface="Calibri" panose="020F0502020204030204" pitchFamily="34" charset="0"/>
+                <a:cs typeface="Times New Roman" panose="02020603050405020304" pitchFamily="18" charset="0"/>
+              </a:rPr>
+              <a:t>Email Validation – The current version of the application cannot validate that the entered email is a valid and working email. To improve the security of the application users should have to verify their email address before they can register or changer their email address.</a:t>
+            </a:r>
+            <a:endParaRPr lang="en-US" sz="1800" dirty="0">
+              <a:effectLst/>
+              <a:latin typeface="Calibri" panose="020F0502020204030204" pitchFamily="34" charset="0"/>
+              <a:ea typeface="Calibri" panose="020F0502020204030204" pitchFamily="34" charset="0"/>
+              <a:cs typeface="Times New Roman" panose="02020603050405020304" pitchFamily="18" charset="0"/>
+            </a:endParaRPr>
+          </a:p>
+          <a:p>
+            <a:pPr marL="342900" marR="0" lvl="0" indent="-342900">
+              <a:lnSpc>
+                <a:spcPct val="200000"/>
+              </a:lnSpc>
+              <a:spcBef>
+                <a:spcPts val="0"/>
+              </a:spcBef>
+              <a:spcAft>
+                <a:spcPts val="0"/>
+              </a:spcAft>
+              <a:buFont typeface="Symbol" panose="05050102010706020507" pitchFamily="18" charset="2"/>
+              <a:buChar char=""/>
+              <a:tabLst>
+                <a:tab pos="228600" algn="l"/>
+                <a:tab pos="685800" algn="l"/>
+              </a:tabLst>
+            </a:pPr>
+            <a:r>
+              <a:rPr lang="en-US" sz="1800" dirty="0">
+                <a:effectLst/>
+                <a:latin typeface="Times New Roman" panose="02020603050405020304" pitchFamily="18" charset="0"/>
+                <a:ea typeface="Calibri" panose="020F0502020204030204" pitchFamily="34" charset="0"/>
+                <a:cs typeface="Times New Roman" panose="02020603050405020304" pitchFamily="18" charset="0"/>
+              </a:rPr>
+              <a:t>Weak Password Identification – A feature that identifies weak passwords for user records will be implemented in the future. This feature will display a warning message letting the user know that their password is considered weak.</a:t>
+            </a:r>
+            <a:endParaRPr lang="en-US" sz="1800" dirty="0">
+              <a:effectLst/>
+              <a:latin typeface="Calibri" panose="020F0502020204030204" pitchFamily="34" charset="0"/>
+              <a:ea typeface="Calibri" panose="020F0502020204030204" pitchFamily="34" charset="0"/>
+              <a:cs typeface="Times New Roman" panose="02020603050405020304" pitchFamily="18" charset="0"/>
+            </a:endParaRPr>
+          </a:p>
+          <a:p>
+            <a:pPr marL="342900" marR="0" lvl="0" indent="-342900">
+              <a:lnSpc>
+                <a:spcPct val="200000"/>
+              </a:lnSpc>
+              <a:spcBef>
+                <a:spcPts val="0"/>
+              </a:spcBef>
+              <a:spcAft>
+                <a:spcPts val="0"/>
+              </a:spcAft>
+              <a:buFont typeface="Symbol" panose="05050102010706020507" pitchFamily="18" charset="2"/>
+              <a:buChar char=""/>
+              <a:tabLst>
+                <a:tab pos="228600" algn="l"/>
+                <a:tab pos="685800" algn="l"/>
+              </a:tabLst>
+            </a:pPr>
+            <a:r>
+              <a:rPr lang="en-US" sz="1800" dirty="0">
+                <a:effectLst/>
+                <a:latin typeface="Times New Roman" panose="02020603050405020304" pitchFamily="18" charset="0"/>
+                <a:ea typeface="Calibri" panose="020F0502020204030204" pitchFamily="34" charset="0"/>
+                <a:cs typeface="Times New Roman" panose="02020603050405020304" pitchFamily="18" charset="0"/>
+              </a:rPr>
+              <a:t>Better Input Validation – Better input validation will improve the security of the application, but this is a time-consuming task, and it requires continuous monitoring and updating.</a:t>
+            </a:r>
+            <a:endParaRPr lang="en-US" sz="1800" dirty="0">
+              <a:effectLst/>
+              <a:latin typeface="Calibri" panose="020F0502020204030204" pitchFamily="34" charset="0"/>
+              <a:ea typeface="Calibri" panose="020F0502020204030204" pitchFamily="34" charset="0"/>
+              <a:cs typeface="Times New Roman" panose="02020603050405020304" pitchFamily="18" charset="0"/>
+            </a:endParaRPr>
+          </a:p>
+          <a:p>
+            <a:pPr marL="342900" marR="0" lvl="0" indent="-342900">
+              <a:lnSpc>
+                <a:spcPct val="200000"/>
+              </a:lnSpc>
+              <a:spcBef>
+                <a:spcPts val="0"/>
+              </a:spcBef>
+              <a:spcAft>
+                <a:spcPts val="0"/>
+              </a:spcAft>
+              <a:buFont typeface="Symbol" panose="05050102010706020507" pitchFamily="18" charset="2"/>
+              <a:buChar char=""/>
+              <a:tabLst>
+                <a:tab pos="228600" algn="l"/>
+                <a:tab pos="685800" algn="l"/>
+              </a:tabLst>
+            </a:pPr>
+            <a:r>
+              <a:rPr lang="en-US" sz="1800" dirty="0">
+                <a:effectLst/>
+                <a:latin typeface="Times New Roman" panose="02020603050405020304" pitchFamily="18" charset="0"/>
+                <a:ea typeface="Calibri" panose="020F0502020204030204" pitchFamily="34" charset="0"/>
+                <a:cs typeface="Times New Roman" panose="02020603050405020304" pitchFamily="18" charset="0"/>
+              </a:rPr>
+              <a:t>Better Master Password Policies – The current version of the application follows the basic guidelines of the NIST 800-63B. However, a stricter password policy should be created for the “master” password. This new policy should prevent users from using well known passwords, and previously used passwords.</a:t>
+            </a:r>
+            <a:endParaRPr lang="en-US" sz="1800" dirty="0">
+              <a:effectLst/>
+              <a:latin typeface="Calibri" panose="020F0502020204030204" pitchFamily="34" charset="0"/>
+              <a:ea typeface="Calibri" panose="020F0502020204030204" pitchFamily="34" charset="0"/>
+              <a:cs typeface="Times New Roman" panose="02020603050405020304" pitchFamily="18" charset="0"/>
+            </a:endParaRPr>
+          </a:p>
+          <a:p>
+            <a:pPr marL="342900" marR="0" lvl="0" indent="-342900">
+              <a:lnSpc>
+                <a:spcPct val="200000"/>
+              </a:lnSpc>
+              <a:spcBef>
+                <a:spcPts val="0"/>
+              </a:spcBef>
+              <a:spcAft>
+                <a:spcPts val="0"/>
+              </a:spcAft>
+              <a:buFont typeface="Symbol" panose="05050102010706020507" pitchFamily="18" charset="2"/>
+              <a:buChar char=""/>
+              <a:tabLst>
+                <a:tab pos="228600" algn="l"/>
+                <a:tab pos="685800" algn="l"/>
+              </a:tabLst>
+            </a:pPr>
+            <a:r>
+              <a:rPr lang="en-US" sz="1800" dirty="0">
+                <a:effectLst/>
+                <a:latin typeface="Times New Roman" panose="02020603050405020304" pitchFamily="18" charset="0"/>
+                <a:ea typeface="Calibri" panose="020F0502020204030204" pitchFamily="34" charset="0"/>
+                <a:cs typeface="Times New Roman" panose="02020603050405020304" pitchFamily="18" charset="0"/>
+              </a:rPr>
+              <a:t>Stop Sleep Thread – The current version of the application cannot properly exit or logout users if the timer for the Sleep() thread has not finished. This fix is a priority and it will ensure that the Sleep() thread is stopped if a user tries to exit or logout of the application before the fifteen seconds are finished.</a:t>
+            </a:r>
+            <a:endParaRPr lang="en-US" sz="1800" dirty="0">
+              <a:effectLst/>
+              <a:latin typeface="Calibri" panose="020F0502020204030204" pitchFamily="34" charset="0"/>
+              <a:ea typeface="Calibri" panose="020F0502020204030204" pitchFamily="34" charset="0"/>
+              <a:cs typeface="Times New Roman" panose="02020603050405020304" pitchFamily="18" charset="0"/>
+            </a:endParaRPr>
+          </a:p>
+          <a:p>
+            <a:pPr marL="342900" marR="0" lvl="0" indent="-342900">
+              <a:lnSpc>
+                <a:spcPct val="200000"/>
+              </a:lnSpc>
+              <a:spcBef>
+                <a:spcPts val="0"/>
+              </a:spcBef>
+              <a:spcAft>
+                <a:spcPts val="0"/>
+              </a:spcAft>
+              <a:buFont typeface="Symbol" panose="05050102010706020507" pitchFamily="18" charset="2"/>
+              <a:buChar char=""/>
+              <a:tabLst>
+                <a:tab pos="228600" algn="l"/>
+                <a:tab pos="685800" algn="l"/>
+              </a:tabLst>
+            </a:pPr>
+            <a:r>
+              <a:rPr lang="en-US" sz="1800" dirty="0">
+                <a:effectLst/>
+                <a:latin typeface="Times New Roman" panose="02020603050405020304" pitchFamily="18" charset="0"/>
+                <a:ea typeface="Calibri" panose="020F0502020204030204" pitchFamily="34" charset="0"/>
+                <a:cs typeface="Times New Roman" panose="02020603050405020304" pitchFamily="18" charset="0"/>
+              </a:rPr>
+              <a:t>Confirm Password/Email – The current version of the application only prompts the user to enter their email/password once. In a future update the user will be asked to enter their password/email in order to confirm the input. This will avoid users getting locket out due to typos.</a:t>
+            </a:r>
+            <a:endParaRPr lang="en-US" sz="1800" dirty="0">
+              <a:effectLst/>
+              <a:latin typeface="Calibri" panose="020F0502020204030204" pitchFamily="34" charset="0"/>
+              <a:ea typeface="Calibri" panose="020F0502020204030204" pitchFamily="34" charset="0"/>
+              <a:cs typeface="Times New Roman" panose="02020603050405020304" pitchFamily="18" charset="0"/>
+            </a:endParaRPr>
+          </a:p>
+          <a:p>
+            <a:pPr marL="342900" marR="0" lvl="0" indent="-342900">
+              <a:lnSpc>
+                <a:spcPct val="200000"/>
+              </a:lnSpc>
+              <a:spcBef>
+                <a:spcPts val="0"/>
+              </a:spcBef>
+              <a:spcAft>
+                <a:spcPts val="0"/>
+              </a:spcAft>
+              <a:buFont typeface="Symbol" panose="05050102010706020507" pitchFamily="18" charset="2"/>
+              <a:buChar char=""/>
+              <a:tabLst>
+                <a:tab pos="228600" algn="l"/>
+                <a:tab pos="685800" algn="l"/>
+              </a:tabLst>
+            </a:pPr>
+            <a:r>
+              <a:rPr lang="en-US" sz="1800" dirty="0">
+                <a:effectLst/>
+                <a:latin typeface="Times New Roman" panose="02020603050405020304" pitchFamily="18" charset="0"/>
+                <a:ea typeface="Calibri" panose="020F0502020204030204" pitchFamily="34" charset="0"/>
+                <a:cs typeface="Times New Roman" panose="02020603050405020304" pitchFamily="18" charset="0"/>
+              </a:rPr>
+              <a:t>Additional Authentication Methods – Adding other authentication methods will improve the security of the application. Additional authentication methods can include one-time codes sent to the user’s phone, user security questions, and or others.</a:t>
+            </a:r>
+            <a:endParaRPr lang="en-US" sz="1800" dirty="0">
+              <a:effectLst/>
+              <a:latin typeface="Calibri" panose="020F0502020204030204" pitchFamily="34" charset="0"/>
+              <a:ea typeface="Calibri" panose="020F0502020204030204" pitchFamily="34" charset="0"/>
+              <a:cs typeface="Times New Roman" panose="02020603050405020304" pitchFamily="18" charset="0"/>
+            </a:endParaRPr>
+          </a:p>
+          <a:p>
+            <a:pPr marL="342900" marR="0" lvl="0" indent="-342900">
+              <a:lnSpc>
+                <a:spcPct val="200000"/>
+              </a:lnSpc>
+              <a:spcBef>
+                <a:spcPts val="0"/>
+              </a:spcBef>
+              <a:spcAft>
+                <a:spcPts val="0"/>
+              </a:spcAft>
+              <a:buFont typeface="Symbol" panose="05050102010706020507" pitchFamily="18" charset="2"/>
+              <a:buChar char=""/>
+              <a:tabLst>
+                <a:tab pos="228600" algn="l"/>
+                <a:tab pos="685800" algn="l"/>
+              </a:tabLst>
+            </a:pPr>
+            <a:r>
+              <a:rPr lang="en-US" sz="1800" dirty="0">
+                <a:effectLst/>
+                <a:latin typeface="Times New Roman" panose="02020603050405020304" pitchFamily="18" charset="0"/>
+                <a:ea typeface="Calibri" panose="020F0502020204030204" pitchFamily="34" charset="0"/>
+                <a:cs typeface="Times New Roman" panose="02020603050405020304" pitchFamily="18" charset="0"/>
+              </a:rPr>
+              <a:t>Better Lockout – The current version of the application only closes the application after six failed login attempts. A feature that locks the account based on the username will be implemented. This will ensure that the locked user cannot login without verifying their account through a code sent to their email address.</a:t>
+            </a:r>
+            <a:endParaRPr lang="en-US" sz="1800" dirty="0">
+              <a:effectLst/>
+              <a:latin typeface="Calibri" panose="020F0502020204030204" pitchFamily="34" charset="0"/>
+              <a:ea typeface="Calibri" panose="020F0502020204030204" pitchFamily="34" charset="0"/>
+              <a:cs typeface="Times New Roman" panose="02020603050405020304" pitchFamily="18" charset="0"/>
+            </a:endParaRPr>
+          </a:p>
+          <a:p>
+            <a:pPr marL="342900" marR="0" lvl="0" indent="-342900">
+              <a:lnSpc>
+                <a:spcPct val="200000"/>
+              </a:lnSpc>
+              <a:spcBef>
+                <a:spcPts val="0"/>
+              </a:spcBef>
+              <a:spcAft>
+                <a:spcPts val="0"/>
+              </a:spcAft>
+              <a:buFont typeface="Symbol" panose="05050102010706020507" pitchFamily="18" charset="2"/>
+              <a:buChar char=""/>
+              <a:tabLst>
+                <a:tab pos="228600" algn="l"/>
+                <a:tab pos="685800" algn="l"/>
+              </a:tabLst>
+            </a:pPr>
+            <a:r>
+              <a:rPr lang="en-US" sz="1800" dirty="0">
+                <a:effectLst/>
+                <a:latin typeface="Times New Roman" panose="02020603050405020304" pitchFamily="18" charset="0"/>
+                <a:ea typeface="Calibri" panose="020F0502020204030204" pitchFamily="34" charset="0"/>
+                <a:cs typeface="Times New Roman" panose="02020603050405020304" pitchFamily="18" charset="0"/>
+              </a:rPr>
+              <a:t>Password Generator Usage – The password generator was meant to be used throughout the menus that allow you to change/update your password but was removed due to bugs and time constraints. The option to use the password generator when changing a password will be added in the future.</a:t>
+            </a:r>
+            <a:endParaRPr lang="en-US" sz="1800" dirty="0">
+              <a:effectLst/>
+              <a:latin typeface="Calibri" panose="020F0502020204030204" pitchFamily="34" charset="0"/>
+              <a:ea typeface="Calibri" panose="020F0502020204030204" pitchFamily="34" charset="0"/>
+              <a:cs typeface="Times New Roman" panose="02020603050405020304" pitchFamily="18" charset="0"/>
+            </a:endParaRPr>
+          </a:p>
+          <a:p>
+            <a:pPr marL="342900" marR="0" lvl="0" indent="-342900">
+              <a:lnSpc>
+                <a:spcPct val="200000"/>
+              </a:lnSpc>
+              <a:spcBef>
+                <a:spcPts val="0"/>
+              </a:spcBef>
+              <a:spcAft>
+                <a:spcPts val="0"/>
+              </a:spcAft>
+              <a:buFont typeface="Symbol" panose="05050102010706020507" pitchFamily="18" charset="2"/>
+              <a:buChar char=""/>
+              <a:tabLst>
+                <a:tab pos="228600" algn="l"/>
+                <a:tab pos="685800" algn="l"/>
+              </a:tabLst>
+            </a:pPr>
+            <a:r>
+              <a:rPr lang="en-US" sz="1800" dirty="0">
+                <a:effectLst/>
+                <a:latin typeface="Times New Roman" panose="02020603050405020304" pitchFamily="18" charset="0"/>
+                <a:ea typeface="Calibri" panose="020F0502020204030204" pitchFamily="34" charset="0"/>
+                <a:cs typeface="Times New Roman" panose="02020603050405020304" pitchFamily="18" charset="0"/>
+              </a:rPr>
+              <a:t>Reject Leading Zeros – The current version of the application accepts menu selections that have leading zeros (as long as the input is composed of only leading zeros and a valid integer at the end). A fix will be implemented to validate input that contains leading zeros and reject the input.</a:t>
+            </a:r>
+            <a:endParaRPr lang="en-US" sz="1800" dirty="0">
+              <a:effectLst/>
+              <a:latin typeface="Calibri" panose="020F0502020204030204" pitchFamily="34" charset="0"/>
+              <a:ea typeface="Calibri" panose="020F0502020204030204" pitchFamily="34" charset="0"/>
+              <a:cs typeface="Times New Roman" panose="02020603050405020304" pitchFamily="18" charset="0"/>
+            </a:endParaRPr>
+          </a:p>
+          <a:p>
+            <a:pPr marL="342900" marR="0" lvl="0" indent="-342900">
+              <a:lnSpc>
+                <a:spcPct val="200000"/>
+              </a:lnSpc>
+              <a:spcBef>
+                <a:spcPts val="0"/>
+              </a:spcBef>
+              <a:spcAft>
+                <a:spcPts val="800"/>
+              </a:spcAft>
+              <a:buFont typeface="Symbol" panose="05050102010706020507" pitchFamily="18" charset="2"/>
+              <a:buChar char=""/>
+              <a:tabLst>
+                <a:tab pos="228600" algn="l"/>
+                <a:tab pos="685800" algn="l"/>
+              </a:tabLst>
+            </a:pPr>
+            <a:r>
+              <a:rPr lang="en-US" sz="1800" dirty="0">
+                <a:effectLst/>
+                <a:latin typeface="Times New Roman" panose="02020603050405020304" pitchFamily="18" charset="0"/>
+                <a:ea typeface="Calibri" panose="020F0502020204030204" pitchFamily="34" charset="0"/>
+                <a:cs typeface="Times New Roman" panose="02020603050405020304" pitchFamily="18" charset="0"/>
+              </a:rPr>
+              <a:t>GUI Version – A version that utilizes a graphical interface would make it easier to use and should be possible now that the foundation has been implemented.</a:t>
+            </a:r>
+            <a:endParaRPr lang="en-US" sz="1800" dirty="0">
+              <a:effectLst/>
+              <a:latin typeface="Calibri" panose="020F0502020204030204" pitchFamily="34" charset="0"/>
+              <a:ea typeface="Calibri" panose="020F0502020204030204" pitchFamily="34" charset="0"/>
+              <a:cs typeface="Times New Roman" panose="02020603050405020304" pitchFamily="18" charset="0"/>
+            </a:endParaRPr>
+          </a:p>
+          <a:p>
             <a:endParaRPr lang="en-US" dirty="0"/>
           </a:p>
         </p:txBody>
@@ -3564,11 +4107,8 @@
             </a:pPr>
             <a:r>
               <a:rPr lang="en-US" dirty="0"/>
-              <a:t>There is a limit to how many passwords a user can remember, and this survey revealed how the majority of users struggle with the number of passwords they manage, which usually leads to users reusing the same passwords. A Google Online Security Survey (2019) found that 52 percent of users reuse the same password for multiple accounts.</a:t>
-            </a:r>
-          </a:p>
-          <a:p>
-            <a:endParaRPr lang="en-US" dirty="0"/>
+              <a:t>A 2019 Google Online Security Survey found that 52 percent of users reuse the same password for multiple accounts.</a:t>
+            </a:r>
           </a:p>
           <a:p>
             <a:pPr marL="0" marR="0" lvl="0" indent="0" algn="l" defTabSz="914400" rtl="0" eaLnBrk="1" fontAlgn="auto" latinLnBrk="0" hangingPunct="1">
@@ -3588,9 +4128,201 @@
               <a:tabLst/>
               <a:defRPr/>
             </a:pPr>
+            <a:endParaRPr lang="en-US" dirty="0"/>
+          </a:p>
+          <a:p>
+            <a:pPr marL="0" marR="0" lvl="0" indent="0" algn="l" defTabSz="914400" rtl="0" eaLnBrk="1" fontAlgn="auto" latinLnBrk="0" hangingPunct="1">
+              <a:lnSpc>
+                <a:spcPct val="100000"/>
+              </a:lnSpc>
+              <a:spcBef>
+                <a:spcPts val="0"/>
+              </a:spcBef>
+              <a:spcAft>
+                <a:spcPts val="0"/>
+              </a:spcAft>
+              <a:buClrTx/>
+              <a:buSzTx/>
+              <a:buFontTx/>
+              <a:buNone/>
+              <a:tabLst/>
+              <a:defRPr/>
+            </a:pPr>
             <a:r>
               <a:rPr lang="en-US" dirty="0"/>
-              <a:t>The practice of reusing passwords leaves users vulnerable to intrusion attacks, which can result in data loss, monetary loss and more. A report conducted by IBM (2020) found that the average cost of a data breach is $3.68 million, while a data breach in the healthcare industry is estimated to cost around $7.13million. Furthermore, IBM found that data breaches in the United States are among the costliest averaging around $8.64 million.</a:t>
+              <a:t>We all know that there is a limit to how many passwords a user can remember. </a:t>
+            </a:r>
+          </a:p>
+          <a:p>
+            <a:pPr marL="0" marR="0" lvl="0" indent="0" algn="l" defTabSz="914400" rtl="0" eaLnBrk="1" fontAlgn="auto" latinLnBrk="0" hangingPunct="1">
+              <a:lnSpc>
+                <a:spcPct val="100000"/>
+              </a:lnSpc>
+              <a:spcBef>
+                <a:spcPts val="0"/>
+              </a:spcBef>
+              <a:spcAft>
+                <a:spcPts val="0"/>
+              </a:spcAft>
+              <a:buClrTx/>
+              <a:buSzTx/>
+              <a:buFontTx/>
+              <a:buNone/>
+              <a:tabLst/>
+              <a:defRPr/>
+            </a:pPr>
+            <a:endParaRPr lang="en-US" dirty="0"/>
+          </a:p>
+          <a:p>
+            <a:pPr marL="0" marR="0" lvl="0" indent="0" algn="l" defTabSz="914400" rtl="0" eaLnBrk="1" fontAlgn="auto" latinLnBrk="0" hangingPunct="1">
+              <a:lnSpc>
+                <a:spcPct val="100000"/>
+              </a:lnSpc>
+              <a:spcBef>
+                <a:spcPts val="0"/>
+              </a:spcBef>
+              <a:spcAft>
+                <a:spcPts val="0"/>
+              </a:spcAft>
+              <a:buClrTx/>
+              <a:buSzTx/>
+              <a:buFontTx/>
+              <a:buNone/>
+              <a:tabLst/>
+              <a:defRPr/>
+            </a:pPr>
+            <a:r>
+              <a:rPr lang="en-US" dirty="0"/>
+              <a:t>The problem with this limit is that it can result in users reusing the same passwords for multiple accounts (sometimes even all of the accounts)</a:t>
+            </a:r>
+          </a:p>
+          <a:p>
+            <a:pPr marL="0" marR="0" lvl="0" indent="0" algn="l" defTabSz="914400" rtl="0" eaLnBrk="1" fontAlgn="auto" latinLnBrk="0" hangingPunct="1">
+              <a:lnSpc>
+                <a:spcPct val="100000"/>
+              </a:lnSpc>
+              <a:spcBef>
+                <a:spcPts val="0"/>
+              </a:spcBef>
+              <a:spcAft>
+                <a:spcPts val="0"/>
+              </a:spcAft>
+              <a:buClrTx/>
+              <a:buSzTx/>
+              <a:buFontTx/>
+              <a:buNone/>
+              <a:tabLst/>
+              <a:defRPr/>
+            </a:pPr>
+            <a:endParaRPr lang="en-US" dirty="0"/>
+          </a:p>
+          <a:p>
+            <a:pPr marL="0" marR="0" lvl="0" indent="0" algn="l" defTabSz="914400" rtl="0" eaLnBrk="1" fontAlgn="auto" latinLnBrk="0" hangingPunct="1">
+              <a:lnSpc>
+                <a:spcPct val="100000"/>
+              </a:lnSpc>
+              <a:spcBef>
+                <a:spcPts val="0"/>
+              </a:spcBef>
+              <a:spcAft>
+                <a:spcPts val="0"/>
+              </a:spcAft>
+              <a:buClrTx/>
+              <a:buSzTx/>
+              <a:buFontTx/>
+              <a:buNone/>
+              <a:tabLst/>
+              <a:defRPr/>
+            </a:pPr>
+            <a:r>
+              <a:rPr lang="en-US" dirty="0"/>
+              <a:t>The practice of reusing passwords leaves users vulnerable to intrusion attacks, which can result in data loss, monetary loss and more. </a:t>
+            </a:r>
+          </a:p>
+          <a:p>
+            <a:pPr marL="0" marR="0" lvl="0" indent="0" algn="l" defTabSz="914400" rtl="0" eaLnBrk="1" fontAlgn="auto" latinLnBrk="0" hangingPunct="1">
+              <a:lnSpc>
+                <a:spcPct val="100000"/>
+              </a:lnSpc>
+              <a:spcBef>
+                <a:spcPts val="0"/>
+              </a:spcBef>
+              <a:spcAft>
+                <a:spcPts val="0"/>
+              </a:spcAft>
+              <a:buClrTx/>
+              <a:buSzTx/>
+              <a:buFontTx/>
+              <a:buNone/>
+              <a:tabLst/>
+              <a:defRPr/>
+            </a:pPr>
+            <a:endParaRPr lang="en-US" dirty="0"/>
+          </a:p>
+          <a:p>
+            <a:pPr marL="0" marR="0" lvl="0" indent="0" algn="l" defTabSz="914400" rtl="0" eaLnBrk="1" fontAlgn="auto" latinLnBrk="0" hangingPunct="1">
+              <a:lnSpc>
+                <a:spcPct val="100000"/>
+              </a:lnSpc>
+              <a:spcBef>
+                <a:spcPts val="0"/>
+              </a:spcBef>
+              <a:spcAft>
+                <a:spcPts val="0"/>
+              </a:spcAft>
+              <a:buClrTx/>
+              <a:buSzTx/>
+              <a:buFontTx/>
+              <a:buNone/>
+              <a:tabLst/>
+              <a:defRPr/>
+            </a:pPr>
+            <a:r>
+              <a:rPr lang="en-US" dirty="0"/>
+              <a:t>A report conducted by IBM (2020) found that the average cost of a data breach is $3.68 million, while a data breach in the healthcare industry is estimated to cost around $7.13million. </a:t>
+            </a:r>
+          </a:p>
+          <a:p>
+            <a:pPr marL="0" marR="0" lvl="0" indent="0" algn="l" defTabSz="914400" rtl="0" eaLnBrk="1" fontAlgn="auto" latinLnBrk="0" hangingPunct="1">
+              <a:lnSpc>
+                <a:spcPct val="100000"/>
+              </a:lnSpc>
+              <a:spcBef>
+                <a:spcPts val="0"/>
+              </a:spcBef>
+              <a:spcAft>
+                <a:spcPts val="0"/>
+              </a:spcAft>
+              <a:buClrTx/>
+              <a:buSzTx/>
+              <a:buFontTx/>
+              <a:buNone/>
+              <a:tabLst/>
+              <a:defRPr/>
+            </a:pPr>
+            <a:endParaRPr lang="en-US" dirty="0"/>
+          </a:p>
+          <a:p>
+            <a:pPr marL="0" marR="0" lvl="0" indent="0" algn="l" defTabSz="914400" rtl="0" eaLnBrk="1" fontAlgn="auto" latinLnBrk="0" hangingPunct="1">
+              <a:lnSpc>
+                <a:spcPct val="100000"/>
+              </a:lnSpc>
+              <a:spcBef>
+                <a:spcPts val="0"/>
+              </a:spcBef>
+              <a:spcAft>
+                <a:spcPts val="0"/>
+              </a:spcAft>
+              <a:buClrTx/>
+              <a:buSzTx/>
+              <a:buFontTx/>
+              <a:buNone/>
+              <a:tabLst/>
+              <a:defRPr/>
+            </a:pPr>
+            <a:r>
+              <a:rPr lang="en-US" dirty="0"/>
+              <a:t>Furthermore, IBM found that data breaches in the United States are among the costliest averaging around $8.64 million.</a:t>
             </a:r>
           </a:p>
           <a:p>
@@ -3686,6 +4418,10 @@
           </a:p>
           <a:p>
             <a:pPr lvl="0"/>
+            <a:endParaRPr lang="en-US" dirty="0"/>
+          </a:p>
+          <a:p>
+            <a:pPr lvl="0"/>
             <a:r>
               <a:rPr lang="en-US" dirty="0"/>
               <a:t> With a password manager users can store all their passwords in a secured vault that can be accessed with a “master” password. </a:t>
@@ -3693,37 +4429,14 @@
           </a:p>
           <a:p>
             <a:pPr lvl="0"/>
+            <a:endParaRPr lang="en-US" dirty="0"/>
+          </a:p>
+          <a:p>
+            <a:pPr lvl="0"/>
             <a:r>
               <a:rPr lang="en-US" dirty="0"/>
               <a:t>This eliminates the need to remember multiple passwords and greatly reduces the chances of having multiple accounts compromised.</a:t>
             </a:r>
-          </a:p>
-          <a:p>
-            <a:pPr lvl="0"/>
-            <a:r>
-              <a:rPr lang="en-US" dirty="0"/>
-              <a:t> The management of passwords is one of the most important and overlooked factors of information security. In order eliminate the difficulties that come with remembering passwords it is recommended that user utilize a password management application in order to protect their accounts. </a:t>
-            </a:r>
-          </a:p>
-          <a:p>
-            <a:pPr marL="0" marR="0" lvl="0" indent="0" algn="l" defTabSz="914400" rtl="0" eaLnBrk="1" fontAlgn="auto" latinLnBrk="0" hangingPunct="1">
-              <a:lnSpc>
-                <a:spcPct val="100000"/>
-              </a:lnSpc>
-              <a:spcBef>
-                <a:spcPts val="0"/>
-              </a:spcBef>
-              <a:spcAft>
-                <a:spcPts val="0"/>
-              </a:spcAft>
-              <a:buClrTx/>
-              <a:buSzTx/>
-              <a:buFontTx/>
-              <a:buNone/>
-              <a:tabLst/>
-              <a:defRPr/>
-            </a:pPr>
-            <a:endParaRPr lang="en-US" dirty="0"/>
           </a:p>
           <a:p>
             <a:endParaRPr lang="en-US" dirty="0"/>
@@ -3810,7 +4523,46 @@
           <a:bodyPr/>
           <a:lstStyle/>
           <a:p>
+            <a:r>
+              <a:rPr lang="en-US" dirty="0"/>
+              <a:t>That is why I created the Xecure application</a:t>
+            </a:r>
+          </a:p>
+          <a:p>
             <a:endParaRPr lang="en-US" dirty="0"/>
+          </a:p>
+          <a:p>
+            <a:r>
+              <a:rPr lang="en-US" dirty="0"/>
+              <a:t>Xecure is a password manager application for Windows computers.</a:t>
+            </a:r>
+          </a:p>
+          <a:p>
+            <a:endParaRPr lang="en-US" dirty="0"/>
+          </a:p>
+          <a:p>
+            <a:r>
+              <a:rPr lang="en-US" dirty="0"/>
+              <a:t>It securely stores and manages log in information for registered users.</a:t>
+            </a:r>
+          </a:p>
+          <a:p>
+            <a:endParaRPr lang="en-US" dirty="0"/>
+          </a:p>
+          <a:p>
+            <a:r>
+              <a:rPr lang="en-US" dirty="0"/>
+              <a:t>It uses a local MYSQL database to store all of the user data.</a:t>
+            </a:r>
+          </a:p>
+          <a:p>
+            <a:endParaRPr lang="en-US" dirty="0"/>
+          </a:p>
+          <a:p>
+            <a:r>
+              <a:rPr lang="en-US" dirty="0"/>
+              <a:t>And it uses encryption and a hashing algorithm to protect all of this user data.</a:t>
+            </a:r>
           </a:p>
         </p:txBody>
       </p:sp>
@@ -3894,27 +4646,6 @@
           <a:bodyPr/>
           <a:lstStyle/>
           <a:p>
-            <a:r>
-              <a:rPr lang="en-US" dirty="0"/>
-              <a:t>Talk about the SHA hashing</a:t>
-            </a:r>
-          </a:p>
-          <a:p>
-            <a:r>
-              <a:rPr lang="en-US" dirty="0"/>
-              <a:t>The AES encryption</a:t>
-            </a:r>
-          </a:p>
-          <a:p>
-            <a:r>
-              <a:rPr lang="en-US" dirty="0"/>
-              <a:t>The Database</a:t>
-            </a:r>
-          </a:p>
-          <a:p>
-            <a:endParaRPr lang="en-US" dirty="0"/>
-          </a:p>
-          <a:p>
             <a:pPr marL="0" marR="0" lvl="0" indent="0" algn="l" defTabSz="914400" rtl="0" eaLnBrk="1" fontAlgn="auto" latinLnBrk="0" hangingPunct="1">
               <a:lnSpc>
                 <a:spcPct val="100000"/>
@@ -3934,7 +4665,7 @@
             </a:pPr>
             <a:r>
               <a:rPr lang="en-US" dirty="0"/>
-              <a:t>The application can also copy a record’s password into the computer’s clipboard</a:t>
+              <a:t>The hashing algorithm it uses is SHA-256. </a:t>
             </a:r>
           </a:p>
           <a:p>
@@ -3977,7 +4708,7 @@
             </a:pPr>
             <a:r>
               <a:rPr lang="en-US" dirty="0"/>
-              <a:t>This password will then be wiped from the clipboard after fifteen seconds or if the user closes the application. The application has connectivity to a MYSQL database that is used to securely store the user’s information. In order to protect the information in the database the application uses the well-established AES encryption and SHA256 hashing algorithms. Additionally, the users have the option to generate unique and complex passwords for every record entered. Users will also have the option of entering their own passwords and the application will guide them every step of the way. Lastly, the program has features that allows users to reset their “master” password and email if they forget it or wish to change it.</a:t>
+              <a:t>The way this is used within my application is that whenever a user registers, their username and password are combined into a single string. This string is then hashed and stored in the database. This hash can later be used to uniquely identify and authenticate every user, whenever they attempt to login.</a:t>
             </a:r>
           </a:p>
           <a:p>
@@ -4019,8 +4750,75 @@
               <a:defRPr/>
             </a:pPr>
             <a:r>
+              <a:rPr lang="en-US" dirty="0">
+                <a:highlight>
+                  <a:srgbClr val="FFFF00"/>
+                </a:highlight>
+              </a:rPr>
+              <a:t>Now, In order to secure all of the information stored within the database, the AES-256 standard is used to encrypt all of the data. </a:t>
+            </a:r>
+            <a:r>
+              <a:rPr lang="en-US" dirty="0" err="1">
+                <a:highlight>
+                  <a:srgbClr val="FFFF00"/>
+                </a:highlight>
+              </a:rPr>
+              <a:t>Xecure’s</a:t>
+            </a:r>
+            <a:r>
+              <a:rPr lang="en-US" dirty="0">
+                <a:highlight>
+                  <a:srgbClr val="FFFF00"/>
+                </a:highlight>
+              </a:rPr>
+              <a:t> encryption algorithm also contains a salt that prevents users from having the same ciphertext, and this is all done before sending the data to the database. </a:t>
+            </a:r>
+          </a:p>
+          <a:p>
+            <a:pPr marL="0" marR="0" lvl="0" indent="0" algn="l" defTabSz="914400" rtl="0" eaLnBrk="1" fontAlgn="auto" latinLnBrk="0" hangingPunct="1">
+              <a:lnSpc>
+                <a:spcPct val="100000"/>
+              </a:lnSpc>
+              <a:spcBef>
+                <a:spcPts val="0"/>
+              </a:spcBef>
+              <a:spcAft>
+                <a:spcPts val="0"/>
+              </a:spcAft>
+              <a:buClrTx/>
+              <a:buSzTx/>
+              <a:buFontTx/>
+              <a:buNone/>
+              <a:tabLst/>
+              <a:defRPr/>
+            </a:pPr>
+            <a:endParaRPr lang="en-US" dirty="0">
+              <a:highlight>
+                <a:srgbClr val="FFFF00"/>
+              </a:highlight>
+            </a:endParaRPr>
+          </a:p>
+          <a:p>
+            <a:pPr marL="0" marR="0" lvl="0" indent="0" algn="l" defTabSz="914400" rtl="0" eaLnBrk="1" fontAlgn="auto" latinLnBrk="0" hangingPunct="1">
+              <a:lnSpc>
+                <a:spcPct val="100000"/>
+              </a:lnSpc>
+              <a:spcBef>
+                <a:spcPts val="0"/>
+              </a:spcBef>
+              <a:spcAft>
+                <a:spcPts val="0"/>
+              </a:spcAft>
+              <a:buClrTx/>
+              <a:buSzTx/>
+              <a:buFontTx/>
+              <a:buNone/>
+              <a:tabLst/>
+              <a:defRPr/>
+            </a:pPr>
+            <a:r>
               <a:rPr lang="en-US" dirty="0"/>
-              <a:t>The application is called Xecure Password Manager and it was inspired by applications like KeePass, and LastPass and it contains all of the major features that these application have. All of the previously mentioned features are the standard in the password manager market, and they will be included in the Xecure Password Manager application at no cost to the users. In addition to being a free application, Xecure Password Manager will not contain any ads, there are no password or account limits, and it will not store or use user data for any other purpose. This is what separates Xecure Password Manager from the competition.</a:t>
+              <a:t>The current version of the database is stored locally, but it can be scaled up to an online database and this is why it was important for me to encrypt the data before sending it .</a:t>
             </a:r>
           </a:p>
           <a:p>
@@ -4061,10 +4859,10 @@
               <a:tabLst/>
               <a:defRPr/>
             </a:pPr>
-            <a:endParaRPr lang="en-US" dirty="0"/>
-          </a:p>
-          <a:p>
-            <a:endParaRPr lang="en-US" dirty="0"/>
+            <a:r>
+              <a:rPr lang="en-US" dirty="0"/>
+              <a:t>In either case, prepared statements were used with every single SQL query, and this was done in order to prevent SQL injections.</a:t>
+            </a:r>
           </a:p>
         </p:txBody>
       </p:sp>
@@ -4148,7 +4946,10 @@
           <a:bodyPr/>
           <a:lstStyle/>
           <a:p>
-            <a:endParaRPr lang="en-US" dirty="0"/>
+            <a:r>
+              <a:rPr lang="en-US" dirty="0"/>
+              <a:t>Here’s a rundown of all the major features that users can take advantage of…but instead of talking about them why don’t we do a live demonstration.</a:t>
+            </a:r>
           </a:p>
         </p:txBody>
       </p:sp>
@@ -4232,9 +5033,9 @@
           <a:bodyPr/>
           <a:lstStyle/>
           <a:p>
-            <a:pPr marL="0" marR="0" lvl="0" indent="0" algn="l" defTabSz="914400" rtl="0" eaLnBrk="1" fontAlgn="auto" latinLnBrk="0" hangingPunct="1">
+            <a:pPr marL="0" marR="0" indent="457200" algn="l">
               <a:lnSpc>
-                <a:spcPct val="100000"/>
+                <a:spcPct val="200000"/>
               </a:lnSpc>
               <a:spcBef>
                 <a:spcPts val="0"/>
@@ -4242,16 +5043,224 @@
               <a:spcAft>
                 <a:spcPts val="0"/>
               </a:spcAft>
-              <a:buClrTx/>
-              <a:buSzTx/>
-              <a:buFontTx/>
-              <a:buNone/>
-              <a:tabLst/>
-              <a:defRPr/>
             </a:pPr>
-            <a:endParaRPr lang="en-US" dirty="0"/>
-          </a:p>
-          <a:p>
+            <a:r>
+              <a:rPr lang="en-US" sz="1800" dirty="0">
+                <a:effectLst/>
+                <a:latin typeface="Times New Roman" panose="02020603050405020304" pitchFamily="18" charset="0"/>
+                <a:ea typeface="Calibri" panose="020F0502020204030204" pitchFamily="34" charset="0"/>
+                <a:cs typeface="Times New Roman" panose="02020603050405020304" pitchFamily="18" charset="0"/>
+              </a:rPr>
+              <a:t>After I had a prototype for the application, I began the testing process. The first step of this process involved creating test cases for the application. </a:t>
+            </a:r>
+          </a:p>
+          <a:p>
+            <a:pPr marL="0" marR="0" indent="457200" algn="l">
+              <a:lnSpc>
+                <a:spcPct val="200000"/>
+              </a:lnSpc>
+              <a:spcBef>
+                <a:spcPts val="0"/>
+              </a:spcBef>
+              <a:spcAft>
+                <a:spcPts val="0"/>
+              </a:spcAft>
+            </a:pPr>
+            <a:r>
+              <a:rPr lang="en-US" sz="1800" dirty="0">
+                <a:effectLst/>
+                <a:latin typeface="Times New Roman" panose="02020603050405020304" pitchFamily="18" charset="0"/>
+                <a:ea typeface="Calibri" panose="020F0502020204030204" pitchFamily="34" charset="0"/>
+                <a:cs typeface="Times New Roman" panose="02020603050405020304" pitchFamily="18" charset="0"/>
+              </a:rPr>
+              <a:t>My goal with the test cases was to describe in detail the behavior of the application under every possible scenario. </a:t>
+            </a:r>
+          </a:p>
+          <a:p>
+            <a:pPr marL="0" marR="0" indent="457200" algn="l">
+              <a:lnSpc>
+                <a:spcPct val="200000"/>
+              </a:lnSpc>
+              <a:spcBef>
+                <a:spcPts val="0"/>
+              </a:spcBef>
+              <a:spcAft>
+                <a:spcPts val="0"/>
+              </a:spcAft>
+            </a:pPr>
+            <a:r>
+              <a:rPr lang="en-US" sz="1800" dirty="0">
+                <a:effectLst/>
+                <a:latin typeface="Times New Roman" panose="02020603050405020304" pitchFamily="18" charset="0"/>
+                <a:ea typeface="Calibri" panose="020F0502020204030204" pitchFamily="34" charset="0"/>
+                <a:cs typeface="Times New Roman" panose="02020603050405020304" pitchFamily="18" charset="0"/>
+              </a:rPr>
+              <a:t>Of course, this is impossible, but I wanted to use the time that I had to run it through this testing cycle that you see up here.</a:t>
+            </a:r>
+          </a:p>
+          <a:p>
+            <a:pPr marL="0" marR="0" indent="457200" algn="l">
+              <a:lnSpc>
+                <a:spcPct val="200000"/>
+              </a:lnSpc>
+              <a:spcBef>
+                <a:spcPts val="0"/>
+              </a:spcBef>
+              <a:spcAft>
+                <a:spcPts val="0"/>
+              </a:spcAft>
+            </a:pPr>
+            <a:endParaRPr lang="en-US" sz="1800" dirty="0">
+              <a:effectLst/>
+              <a:latin typeface="Times New Roman" panose="02020603050405020304" pitchFamily="18" charset="0"/>
+              <a:ea typeface="Calibri" panose="020F0502020204030204" pitchFamily="34" charset="0"/>
+              <a:cs typeface="Times New Roman" panose="02020603050405020304" pitchFamily="18" charset="0"/>
+            </a:endParaRPr>
+          </a:p>
+          <a:p>
+            <a:pPr marL="0" marR="0" indent="457200" algn="l">
+              <a:lnSpc>
+                <a:spcPct val="200000"/>
+              </a:lnSpc>
+              <a:spcBef>
+                <a:spcPts val="0"/>
+              </a:spcBef>
+              <a:spcAft>
+                <a:spcPts val="0"/>
+              </a:spcAft>
+            </a:pPr>
+            <a:r>
+              <a:rPr lang="en-US" sz="1800" dirty="0">
+                <a:effectLst/>
+                <a:latin typeface="Times New Roman" panose="02020603050405020304" pitchFamily="18" charset="0"/>
+                <a:ea typeface="Calibri" panose="020F0502020204030204" pitchFamily="34" charset="0"/>
+                <a:cs typeface="Times New Roman" panose="02020603050405020304" pitchFamily="18" charset="0"/>
+              </a:rPr>
+              <a:t>I spent so much time developing this application that it was very difficult for me to disconnect myself from it and see it from the perspective of others. </a:t>
+            </a:r>
+          </a:p>
+          <a:p>
+            <a:pPr marL="0" marR="0" indent="457200" algn="l">
+              <a:lnSpc>
+                <a:spcPct val="200000"/>
+              </a:lnSpc>
+              <a:spcBef>
+                <a:spcPts val="0"/>
+              </a:spcBef>
+              <a:spcAft>
+                <a:spcPts val="0"/>
+              </a:spcAft>
+            </a:pPr>
+            <a:endParaRPr lang="en-US" sz="1800" dirty="0">
+              <a:effectLst/>
+              <a:latin typeface="Times New Roman" panose="02020603050405020304" pitchFamily="18" charset="0"/>
+              <a:ea typeface="Calibri" panose="020F0502020204030204" pitchFamily="34" charset="0"/>
+              <a:cs typeface="Times New Roman" panose="02020603050405020304" pitchFamily="18" charset="0"/>
+            </a:endParaRPr>
+          </a:p>
+          <a:p>
+            <a:pPr marL="0" marR="0" indent="457200" algn="l">
+              <a:lnSpc>
+                <a:spcPct val="200000"/>
+              </a:lnSpc>
+              <a:spcBef>
+                <a:spcPts val="0"/>
+              </a:spcBef>
+              <a:spcAft>
+                <a:spcPts val="0"/>
+              </a:spcAft>
+            </a:pPr>
+            <a:r>
+              <a:rPr lang="en-US" sz="1800" dirty="0">
+                <a:effectLst/>
+                <a:latin typeface="Times New Roman" panose="02020603050405020304" pitchFamily="18" charset="0"/>
+                <a:ea typeface="Calibri" panose="020F0502020204030204" pitchFamily="34" charset="0"/>
+                <a:cs typeface="Times New Roman" panose="02020603050405020304" pitchFamily="18" charset="0"/>
+              </a:rPr>
+              <a:t>So, I wanted to get feedback from real users. This feedback would then be used to fix any findings and improve the application, and then the cycle would begin again.</a:t>
+            </a:r>
+          </a:p>
+          <a:p>
+            <a:pPr marL="0" marR="0" indent="457200" algn="l">
+              <a:lnSpc>
+                <a:spcPct val="200000"/>
+              </a:lnSpc>
+              <a:spcBef>
+                <a:spcPts val="0"/>
+              </a:spcBef>
+              <a:spcAft>
+                <a:spcPts val="0"/>
+              </a:spcAft>
+            </a:pPr>
+            <a:endParaRPr lang="en-US" sz="1800" dirty="0">
+              <a:effectLst/>
+              <a:latin typeface="Times New Roman" panose="02020603050405020304" pitchFamily="18" charset="0"/>
+              <a:ea typeface="Calibri" panose="020F0502020204030204" pitchFamily="34" charset="0"/>
+              <a:cs typeface="Times New Roman" panose="02020603050405020304" pitchFamily="18" charset="0"/>
+            </a:endParaRPr>
+          </a:p>
+          <a:p>
+            <a:pPr marL="0" marR="0" indent="457200" algn="l">
+              <a:lnSpc>
+                <a:spcPct val="200000"/>
+              </a:lnSpc>
+              <a:spcBef>
+                <a:spcPts val="0"/>
+              </a:spcBef>
+              <a:spcAft>
+                <a:spcPts val="0"/>
+              </a:spcAft>
+            </a:pPr>
+            <a:r>
+              <a:rPr lang="en-US" sz="1800" dirty="0">
+                <a:effectLst/>
+                <a:latin typeface="Times New Roman" panose="02020603050405020304" pitchFamily="18" charset="0"/>
+                <a:ea typeface="Calibri" panose="020F0502020204030204" pitchFamily="34" charset="0"/>
+                <a:cs typeface="Times New Roman" panose="02020603050405020304" pitchFamily="18" charset="0"/>
+              </a:rPr>
+              <a:t>I was able to run my application through this process a total of 3 times, and it gave me a pretty good idea on how to improve the application and what its major flaws were.</a:t>
+            </a:r>
+          </a:p>
+          <a:p>
+            <a:pPr marL="0" marR="0" indent="457200" algn="l">
+              <a:lnSpc>
+                <a:spcPct val="200000"/>
+              </a:lnSpc>
+              <a:spcBef>
+                <a:spcPts val="0"/>
+              </a:spcBef>
+              <a:spcAft>
+                <a:spcPts val="0"/>
+              </a:spcAft>
+            </a:pPr>
+            <a:endParaRPr lang="en-US" sz="1800" dirty="0">
+              <a:effectLst/>
+              <a:latin typeface="Times New Roman" panose="02020603050405020304" pitchFamily="18" charset="0"/>
+              <a:ea typeface="Calibri" panose="020F0502020204030204" pitchFamily="34" charset="0"/>
+              <a:cs typeface="Times New Roman" panose="02020603050405020304" pitchFamily="18" charset="0"/>
+            </a:endParaRPr>
+          </a:p>
+          <a:p>
+            <a:pPr marL="0" marR="0" indent="457200" algn="l">
+              <a:lnSpc>
+                <a:spcPct val="200000"/>
+              </a:lnSpc>
+              <a:spcBef>
+                <a:spcPts val="0"/>
+              </a:spcBef>
+              <a:spcAft>
+                <a:spcPts val="0"/>
+              </a:spcAft>
+            </a:pPr>
+            <a:r>
+              <a:rPr lang="en-US" sz="1800" dirty="0">
+                <a:effectLst/>
+                <a:latin typeface="Times New Roman" panose="02020603050405020304" pitchFamily="18" charset="0"/>
+                <a:ea typeface="Calibri" panose="020F0502020204030204" pitchFamily="34" charset="0"/>
+                <a:cs typeface="Times New Roman" panose="02020603050405020304" pitchFamily="18" charset="0"/>
+              </a:rPr>
+              <a:t> </a:t>
+            </a:r>
             <a:endParaRPr lang="en-US" dirty="0"/>
           </a:p>
         </p:txBody>
@@ -4336,56 +5345,64 @@
           <a:bodyPr/>
           <a:lstStyle/>
           <a:p>
-            <a:pPr marL="0" marR="0" lvl="0" indent="0" algn="l" defTabSz="914400" rtl="0" eaLnBrk="1" fontAlgn="auto" latinLnBrk="0" hangingPunct="1">
-              <a:lnSpc>
-                <a:spcPct val="100000"/>
-              </a:lnSpc>
-              <a:spcBef>
-                <a:spcPts val="0"/>
-              </a:spcBef>
-              <a:spcAft>
-                <a:spcPts val="0"/>
-              </a:spcAft>
-              <a:buClrTx/>
-              <a:buSzTx/>
-              <a:buFontTx/>
-              <a:buNone/>
-              <a:tabLst/>
-              <a:defRPr/>
-            </a:pPr>
             <a:r>
               <a:rPr lang="en-US" dirty="0"/>
-              <a:t>There is a limit to how many passwords a user can remember, and this survey revealed how the majority of users struggle with the number of passwords they manage, which usually leads to users reusing the same passwords. A Google Online Security Survey (2019) found that 52 percent of users reuse the same password for multiple accounts.</a:t>
+              <a:t>Users wanted a way to back out of menus. Having a user stuck in a loop is never a good idea, so a command to backout of every screen was implemented.</a:t>
             </a:r>
           </a:p>
           <a:p>
             <a:endParaRPr lang="en-US" dirty="0"/>
           </a:p>
           <a:p>
-            <a:pPr marL="0" marR="0" lvl="0" indent="0" algn="l" defTabSz="914400" rtl="0" eaLnBrk="1" fontAlgn="auto" latinLnBrk="0" hangingPunct="1">
-              <a:lnSpc>
-                <a:spcPct val="100000"/>
-              </a:lnSpc>
-              <a:spcBef>
-                <a:spcPts val="0"/>
-              </a:spcBef>
-              <a:spcAft>
-                <a:spcPts val="0"/>
-              </a:spcAft>
-              <a:buClrTx/>
-              <a:buSzTx/>
-              <a:buFontTx/>
-              <a:buNone/>
-              <a:tabLst/>
-              <a:defRPr/>
-            </a:pPr>
             <a:r>
               <a:rPr lang="en-US" dirty="0"/>
-              <a:t>The practice of reusing passwords leaves users vulnerable to intrusion attacks, which can result in data loss, monetary loss and more. A report conducted by IBM (2020) found that the average cost of a data breach is $3.68 million, while a data breach in the healthcare industry is estimated to cost around $7.13million. Furthermore, IBM found that data breaches in the United States are among the costliest averaging around $8.64 million.</a:t>
+              <a:t>The initial prototype of the application, asked for user to remember a user ID. This was used to log in to the application along with the username and password. </a:t>
+            </a:r>
+          </a:p>
+          <a:p>
+            <a:r>
+              <a:rPr lang="en-US" dirty="0"/>
+              <a:t>At the beginning I thought this could serve as another layer of security, as users would need to know this third string in order to login, but it was inconvenient, and users did not like it.</a:t>
+            </a:r>
+          </a:p>
+          <a:p>
+            <a:r>
+              <a:rPr lang="en-US" dirty="0"/>
+              <a:t>This was replaced by a much better user ID system that is done on the back end, and users never see their user ID.</a:t>
             </a:r>
           </a:p>
           <a:p>
             <a:endParaRPr lang="en-US" dirty="0"/>
+          </a:p>
+          <a:p>
+            <a:r>
+              <a:rPr lang="en-US" dirty="0"/>
+              <a:t>The first iteration of the verification code function , used a similar algorithm as the password generator function. The thing is, that these passwords were built with the idea that they were going to be copied and pasted.</a:t>
+            </a:r>
+          </a:p>
+          <a:p>
+            <a:r>
+              <a:rPr lang="en-US" dirty="0"/>
+              <a:t>Having to type these complicated codes was very time consuming and they were error prone. The newest version of the verification code function produces a shorter code and uses fewer special characters.</a:t>
+            </a:r>
+          </a:p>
+          <a:p>
+            <a:endParaRPr lang="en-US" dirty="0"/>
+          </a:p>
+          <a:p>
+            <a:r>
+              <a:rPr lang="en-US" dirty="0"/>
+              <a:t>Email addresses used to be case sensitive and this caused confusion. For the current version of the application, emails are not case sensitive.</a:t>
+            </a:r>
+          </a:p>
+          <a:p>
+            <a:endParaRPr lang="en-US" dirty="0"/>
+          </a:p>
+          <a:p>
+            <a:r>
+              <a:rPr lang="en-US" dirty="0"/>
+              <a:t>The verification emails the application sent were a little confusing because they were brief. The emails were updated to contain more information, and they guide the user on how to proceed.</a:t>
+            </a:r>
           </a:p>
         </p:txBody>
       </p:sp>
@@ -4486,10 +5503,139 @@
               <a:tabLst/>
               <a:defRPr/>
             </a:pPr>
+            <a:r>
+              <a:rPr lang="en-US" dirty="0"/>
+              <a:t>These were the major findings that I was not able to fix due to different constraints:</a:t>
+            </a:r>
+          </a:p>
+          <a:p>
+            <a:pPr marL="0" marR="0" lvl="0" indent="0" algn="l" defTabSz="914400" rtl="0" eaLnBrk="1" fontAlgn="auto" latinLnBrk="0" hangingPunct="1">
+              <a:lnSpc>
+                <a:spcPct val="100000"/>
+              </a:lnSpc>
+              <a:spcBef>
+                <a:spcPts val="0"/>
+              </a:spcBef>
+              <a:spcAft>
+                <a:spcPts val="0"/>
+              </a:spcAft>
+              <a:buClrTx/>
+              <a:buSzTx/>
+              <a:buFontTx/>
+              <a:buNone/>
+              <a:tabLst/>
+              <a:defRPr/>
+            </a:pPr>
             <a:endParaRPr lang="en-US" dirty="0"/>
           </a:p>
           <a:p>
+            <a:pPr marL="0" marR="0" lvl="0" indent="0" algn="l" defTabSz="914400" rtl="0" eaLnBrk="1" fontAlgn="auto" latinLnBrk="0" hangingPunct="1">
+              <a:lnSpc>
+                <a:spcPct val="100000"/>
+              </a:lnSpc>
+              <a:spcBef>
+                <a:spcPts val="0"/>
+              </a:spcBef>
+              <a:spcAft>
+                <a:spcPts val="0"/>
+              </a:spcAft>
+              <a:buClrTx/>
+              <a:buSzTx/>
+              <a:buFontTx/>
+              <a:buNone/>
+              <a:tabLst/>
+              <a:defRPr/>
+            </a:pPr>
+            <a:r>
+              <a:rPr lang="en-US" dirty="0"/>
+              <a:t>First the program cannot prevent users from force closing the application, and thus, it cannot properly sanitize the clipboard if the user force closes the application</a:t>
+            </a:r>
+          </a:p>
+          <a:p>
+            <a:pPr marL="0" marR="0" lvl="0" indent="0" algn="l" defTabSz="914400" rtl="0" eaLnBrk="1" fontAlgn="auto" latinLnBrk="0" hangingPunct="1">
+              <a:lnSpc>
+                <a:spcPct val="100000"/>
+              </a:lnSpc>
+              <a:spcBef>
+                <a:spcPts val="0"/>
+              </a:spcBef>
+              <a:spcAft>
+                <a:spcPts val="0"/>
+              </a:spcAft>
+              <a:buClrTx/>
+              <a:buSzTx/>
+              <a:buFontTx/>
+              <a:buNone/>
+              <a:tabLst/>
+              <a:defRPr/>
+            </a:pPr>
             <a:endParaRPr lang="en-US" dirty="0"/>
+          </a:p>
+          <a:p>
+            <a:pPr marL="0" marR="0" lvl="0" indent="0" algn="l" defTabSz="914400" rtl="0" eaLnBrk="1" fontAlgn="auto" latinLnBrk="0" hangingPunct="1">
+              <a:lnSpc>
+                <a:spcPct val="100000"/>
+              </a:lnSpc>
+              <a:spcBef>
+                <a:spcPts val="0"/>
+              </a:spcBef>
+              <a:spcAft>
+                <a:spcPts val="0"/>
+              </a:spcAft>
+              <a:buClrTx/>
+              <a:buSzTx/>
+              <a:buFontTx/>
+              <a:buNone/>
+              <a:tabLst/>
+              <a:defRPr/>
+            </a:pPr>
+            <a:r>
+              <a:rPr lang="en-US" dirty="0"/>
+              <a:t>There is also an issues that prevents the user from properly exiting or logging out of the application if the 15 second timer of the clipboard is not done.</a:t>
+            </a:r>
+          </a:p>
+          <a:p>
+            <a:pPr marL="0" marR="0" lvl="0" indent="0" algn="l" defTabSz="914400" rtl="0" eaLnBrk="1" fontAlgn="auto" latinLnBrk="0" hangingPunct="1">
+              <a:lnSpc>
+                <a:spcPct val="100000"/>
+              </a:lnSpc>
+              <a:spcBef>
+                <a:spcPts val="0"/>
+              </a:spcBef>
+              <a:spcAft>
+                <a:spcPts val="0"/>
+              </a:spcAft>
+              <a:buClrTx/>
+              <a:buSzTx/>
+              <a:buFontTx/>
+              <a:buNone/>
+              <a:tabLst/>
+              <a:defRPr/>
+            </a:pPr>
+            <a:endParaRPr lang="en-US" dirty="0"/>
+          </a:p>
+          <a:p>
+            <a:pPr marL="0" marR="0" lvl="0" indent="0" algn="l" defTabSz="914400" rtl="0" eaLnBrk="1" fontAlgn="auto" latinLnBrk="0" hangingPunct="1">
+              <a:lnSpc>
+                <a:spcPct val="100000"/>
+              </a:lnSpc>
+              <a:spcBef>
+                <a:spcPts val="0"/>
+              </a:spcBef>
+              <a:spcAft>
+                <a:spcPts val="0"/>
+              </a:spcAft>
+              <a:buClrTx/>
+              <a:buSzTx/>
+              <a:buFontTx/>
+              <a:buNone/>
+              <a:tabLst/>
+              <a:defRPr/>
+            </a:pPr>
+            <a:r>
+              <a:rPr lang="en-US" dirty="0"/>
+              <a:t>Lastly, the application does not check to see if the email that you entered is actually a valid email.</a:t>
+            </a:r>
           </a:p>
         </p:txBody>
       </p:sp>
@@ -4678,7 +5824,7 @@
           <a:p>
             <a:fld id="{3C2B07E4-CDF9-4C88-A2F3-04620E58224D}" type="datetimeFigureOut">
               <a:rPr lang="en-US" smtClean="0"/>
-              <a:t>4/4/2022</a:t>
+              <a:t>4/6/2022</a:t>
             </a:fld>
             <a:endParaRPr lang="en-US"/>
           </a:p>
@@ -4968,7 +6114,7 @@
           <a:p>
             <a:fld id="{3C2B07E4-CDF9-4C88-A2F3-04620E58224D}" type="datetimeFigureOut">
               <a:rPr lang="en-US" smtClean="0"/>
-              <a:t>4/4/2022</a:t>
+              <a:t>4/6/2022</a:t>
             </a:fld>
             <a:endParaRPr lang="en-US"/>
           </a:p>
@@ -5220,7 +6366,7 @@
           <a:p>
             <a:fld id="{3C2B07E4-CDF9-4C88-A2F3-04620E58224D}" type="datetimeFigureOut">
               <a:rPr lang="en-US" smtClean="0"/>
-              <a:t>4/4/2022</a:t>
+              <a:t>4/6/2022</a:t>
             </a:fld>
             <a:endParaRPr lang="en-US"/>
           </a:p>
@@ -5472,7 +6618,7 @@
           <a:p>
             <a:fld id="{3C2B07E4-CDF9-4C88-A2F3-04620E58224D}" type="datetimeFigureOut">
               <a:rPr lang="en-US" smtClean="0"/>
-              <a:t>4/4/2022</a:t>
+              <a:t>4/6/2022</a:t>
             </a:fld>
             <a:endParaRPr lang="en-US"/>
           </a:p>
@@ -5801,7 +6947,7 @@
           <a:p>
             <a:fld id="{3C2B07E4-CDF9-4C88-A2F3-04620E58224D}" type="datetimeFigureOut">
               <a:rPr lang="en-US" smtClean="0"/>
-              <a:t>4/4/2022</a:t>
+              <a:t>4/6/2022</a:t>
             </a:fld>
             <a:endParaRPr lang="en-US"/>
           </a:p>
@@ -6151,7 +7297,7 @@
           <a:p>
             <a:fld id="{3C2B07E4-CDF9-4C88-A2F3-04620E58224D}" type="datetimeFigureOut">
               <a:rPr lang="en-US" smtClean="0"/>
-              <a:t>4/4/2022</a:t>
+              <a:t>4/6/2022</a:t>
             </a:fld>
             <a:endParaRPr lang="en-US"/>
           </a:p>
@@ -6663,7 +7809,7 @@
           <a:p>
             <a:fld id="{3C2B07E4-CDF9-4C88-A2F3-04620E58224D}" type="datetimeFigureOut">
               <a:rPr lang="en-US" smtClean="0"/>
-              <a:t>4/4/2022</a:t>
+              <a:t>4/6/2022</a:t>
             </a:fld>
             <a:endParaRPr lang="en-US"/>
           </a:p>
@@ -6991,7 +8137,7 @@
           <a:p>
             <a:fld id="{3C2B07E4-CDF9-4C88-A2F3-04620E58224D}" type="datetimeFigureOut">
               <a:rPr lang="en-US" smtClean="0"/>
-              <a:t>4/4/2022</a:t>
+              <a:t>4/6/2022</a:t>
             </a:fld>
             <a:endParaRPr lang="en-US"/>
           </a:p>
@@ -7104,7 +8250,7 @@
           <a:p>
             <a:fld id="{3C2B07E4-CDF9-4C88-A2F3-04620E58224D}" type="datetimeFigureOut">
               <a:rPr lang="en-US" smtClean="0"/>
-              <a:t>4/4/2022</a:t>
+              <a:t>4/6/2022</a:t>
             </a:fld>
             <a:endParaRPr lang="en-US"/>
           </a:p>
@@ -7445,7 +8591,7 @@
           <a:p>
             <a:fld id="{3C2B07E4-CDF9-4C88-A2F3-04620E58224D}" type="datetimeFigureOut">
               <a:rPr lang="en-US" smtClean="0"/>
-              <a:t>4/4/2022</a:t>
+              <a:t>4/6/2022</a:t>
             </a:fld>
             <a:endParaRPr lang="en-US"/>
           </a:p>
@@ -7745,7 +8891,7 @@
           <a:p>
             <a:fld id="{3C2B07E4-CDF9-4C88-A2F3-04620E58224D}" type="datetimeFigureOut">
               <a:rPr lang="en-US" smtClean="0"/>
-              <a:t>4/4/2022</a:t>
+              <a:t>4/6/2022</a:t>
             </a:fld>
             <a:endParaRPr lang="en-US"/>
           </a:p>
@@ -7985,7 +9131,7 @@
             <a:fld id="{3C2B07E4-CDF9-4C88-A2F3-04620E58224D}" type="datetimeFigureOut">
               <a:rPr lang="en-US" smtClean="0"/>
               <a:pPr/>
-              <a:t>4/4/2022</a:t>
+              <a:t>4/6/2022</a:t>
             </a:fld>
             <a:endParaRPr lang="en-US" dirty="0"/>
           </a:p>
@@ -8591,14 +9737,24 @@
           <a:p>
             <a:pPr algn="ctr"/>
             <a:r>
-              <a:rPr lang="en-US" kern="1800">
+              <a:rPr lang="en-US" kern="1800" dirty="0">
+                <a:effectLst/>
+                <a:latin typeface="Times New Roman" panose="02020603050405020304" pitchFamily="18" charset="0"/>
+                <a:ea typeface="Times New Roman" panose="02020603050405020304" pitchFamily="18" charset="0"/>
+              </a:rPr>
+              <a:t>Carlos Ocasio</a:t>
+            </a:r>
+          </a:p>
+          <a:p>
+            <a:pPr algn="ctr"/>
+            <a:r>
+              <a:rPr lang="en-US" kern="1800" dirty="0">
                 <a:effectLst/>
                 <a:latin typeface="Times New Roman" panose="02020603050405020304" pitchFamily="18" charset="0"/>
                 <a:ea typeface="Times New Roman" panose="02020603050405020304" pitchFamily="18" charset="0"/>
               </a:rPr>
               <a:t>CSCI 499 Senior Project Defense</a:t>
             </a:r>
-            <a:endParaRPr lang="en-US"/>
           </a:p>
         </p:txBody>
       </p:sp>
@@ -8733,8 +9889,72 @@
                                   </p:childTnLst>
                                 </p:cTn>
                               </p:par>
+                            </p:childTnLst>
+                          </p:cTn>
+                        </p:par>
+                      </p:childTnLst>
+                    </p:cTn>
+                  </p:par>
+                  <p:par>
+                    <p:cTn id="8" fill="hold">
+                      <p:stCondLst>
+                        <p:cond delay="indefinite"/>
+                      </p:stCondLst>
+                      <p:childTnLst>
+                        <p:par>
+                          <p:cTn id="9" fill="hold">
+                            <p:stCondLst>
+                              <p:cond delay="0"/>
+                            </p:stCondLst>
+                            <p:childTnLst>
                               <p:par>
-                                <p:cTn id="8" presetID="10" presetClass="entr" presetSubtype="0" fill="hold" grpId="0" nodeType="withEffect">
+                                <p:cTn id="10" presetID="10" presetClass="entr" presetSubtype="0" fill="hold" grpId="0" nodeType="clickEffect">
+                                  <p:stCondLst>
+                                    <p:cond delay="1500"/>
+                                  </p:stCondLst>
+                                  <p:iterate>
+                                    <p:tmPct val="10000"/>
+                                  </p:iterate>
+                                  <p:childTnLst>
+                                    <p:set>
+                                      <p:cBhvr>
+                                        <p:cTn id="11" dur="1" fill="hold">
+                                          <p:stCondLst>
+                                            <p:cond delay="0"/>
+                                          </p:stCondLst>
+                                        </p:cTn>
+                                        <p:tgtEl>
+                                          <p:spTgt spid="3">
+                                            <p:txEl>
+                                              <p:pRg st="1" end="1"/>
+                                            </p:txEl>
+                                          </p:spTgt>
+                                        </p:tgtEl>
+                                        <p:attrNameLst>
+                                          <p:attrName>style.visibility</p:attrName>
+                                        </p:attrNameLst>
+                                      </p:cBhvr>
+                                      <p:to>
+                                        <p:strVal val="visible"/>
+                                      </p:to>
+                                    </p:set>
+                                    <p:animEffect transition="in" filter="fade">
+                                      <p:cBhvr>
+                                        <p:cTn id="12" dur="700"/>
+                                        <p:tgtEl>
+                                          <p:spTgt spid="3">
+                                            <p:txEl>
+                                              <p:pRg st="1" end="1"/>
+                                            </p:txEl>
+                                          </p:spTgt>
+                                        </p:tgtEl>
+                                      </p:cBhvr>
+                                    </p:animEffect>
+                                  </p:childTnLst>
+                                </p:cTn>
+                              </p:par>
+                              <p:par>
+                                <p:cTn id="13" presetID="10" presetClass="entr" presetSubtype="0" fill="hold" grpId="0" nodeType="withEffect">
                                   <p:stCondLst>
                                     <p:cond delay="1000"/>
                                   </p:stCondLst>
@@ -8744,7 +9964,7 @@
                                   <p:childTnLst>
                                     <p:set>
                                       <p:cBhvr>
-                                        <p:cTn id="9" dur="1" fill="hold">
+                                        <p:cTn id="14" dur="1" fill="hold">
                                           <p:stCondLst>
                                             <p:cond delay="0"/>
                                           </p:stCondLst>
@@ -8762,7 +9982,7 @@
                                     </p:set>
                                     <p:animEffect transition="in" filter="fade">
                                       <p:cBhvr>
-                                        <p:cTn id="10" dur="700"/>
+                                        <p:cTn id="15" dur="700"/>
                                         <p:tgtEl>
                                           <p:spTgt spid="2"/>
                                         </p:tgtEl>
@@ -10583,6 +11803,94 @@
 </p:sld>
 </file>
 
+<file path=ppt/slides/slide15.xml><?xml version="1.0" encoding="utf-8"?>
+<p:sld xmlns:a="http://schemas.openxmlformats.org/drawingml/2006/main" xmlns:r="http://schemas.openxmlformats.org/officeDocument/2006/relationships" xmlns:p="http://schemas.openxmlformats.org/presentationml/2006/main">
+  <p:cSld>
+    <p:spTree>
+      <p:nvGrpSpPr>
+        <p:cNvPr id="1" name=""/>
+        <p:cNvGrpSpPr/>
+        <p:nvPr/>
+      </p:nvGrpSpPr>
+      <p:grpSpPr>
+        <a:xfrm>
+          <a:off x="0" y="0"/>
+          <a:ext cx="0" cy="0"/>
+          <a:chOff x="0" y="0"/>
+          <a:chExt cx="0" cy="0"/>
+        </a:xfrm>
+      </p:grpSpPr>
+      <p:sp>
+        <p:nvSpPr>
+          <p:cNvPr id="2" name="Title 1">
+            <a:extLst>
+              <a:ext uri="{FF2B5EF4-FFF2-40B4-BE49-F238E27FC236}">
+                <a16:creationId xmlns:a16="http://schemas.microsoft.com/office/drawing/2014/main" id="{538019D2-6797-4F7E-809B-10F28032DF9D}"/>
+              </a:ext>
+            </a:extLst>
+          </p:cNvPr>
+          <p:cNvSpPr>
+            <a:spLocks noGrp="1"/>
+          </p:cNvSpPr>
+          <p:nvPr>
+            <p:ph type="title"/>
+          </p:nvPr>
+        </p:nvSpPr>
+        <p:spPr/>
+        <p:txBody>
+          <a:bodyPr/>
+          <a:lstStyle/>
+          <a:p>
+            <a:r>
+              <a:rPr lang="en-US" dirty="0"/>
+              <a:t>Prepared statements |  App spec </a:t>
+            </a:r>
+            <a:r>
+              <a:rPr lang="en-US"/>
+              <a:t>reqmts</a:t>
+            </a:r>
+            <a:endParaRPr lang="en-US" dirty="0"/>
+          </a:p>
+        </p:txBody>
+      </p:sp>
+      <p:sp>
+        <p:nvSpPr>
+          <p:cNvPr id="3" name="Content Placeholder 2">
+            <a:extLst>
+              <a:ext uri="{FF2B5EF4-FFF2-40B4-BE49-F238E27FC236}">
+                <a16:creationId xmlns:a16="http://schemas.microsoft.com/office/drawing/2014/main" id="{D273030C-46ED-4383-A819-E83B7D0DEB21}"/>
+              </a:ext>
+            </a:extLst>
+          </p:cNvPr>
+          <p:cNvSpPr>
+            <a:spLocks noGrp="1"/>
+          </p:cNvSpPr>
+          <p:nvPr>
+            <p:ph idx="1"/>
+          </p:nvPr>
+        </p:nvSpPr>
+        <p:spPr/>
+        <p:txBody>
+          <a:bodyPr/>
+          <a:lstStyle/>
+          <a:p>
+            <a:endParaRPr lang="en-US"/>
+          </a:p>
+        </p:txBody>
+      </p:sp>
+    </p:spTree>
+    <p:extLst>
+      <p:ext uri="{BB962C8B-B14F-4D97-AF65-F5344CB8AC3E}">
+        <p14:creationId xmlns:p14="http://schemas.microsoft.com/office/powerpoint/2010/main" val="1811046077"/>
+      </p:ext>
+    </p:extLst>
+  </p:cSld>
+  <p:clrMapOvr>
+    <a:masterClrMapping/>
+  </p:clrMapOvr>
+</p:sld>
+</file>
+
 <file path=ppt/slides/slide2.xml><?xml version="1.0" encoding="utf-8"?>
 <p:sld xmlns:a="http://schemas.openxmlformats.org/drawingml/2006/main" xmlns:r="http://schemas.openxmlformats.org/officeDocument/2006/relationships" xmlns:p="http://schemas.openxmlformats.org/presentationml/2006/main">
   <p:cSld>
@@ -11332,8 +12640,8 @@
         </p:nvSpPr>
         <p:spPr>
           <a:xfrm>
-            <a:off x="319448" y="1611221"/>
-            <a:ext cx="6801068" cy="4885779"/>
+            <a:off x="319448" y="1487543"/>
+            <a:ext cx="7056899" cy="5174986"/>
           </a:xfrm>
           <a:prstGeom prst="roundRect">
             <a:avLst>
@@ -11388,13 +12696,13 @@
         </p:nvSpPr>
         <p:spPr>
           <a:xfrm>
-            <a:off x="476347" y="1671911"/>
-            <a:ext cx="6644169" cy="5030608"/>
+            <a:off x="476347" y="1611221"/>
+            <a:ext cx="6644169" cy="5091298"/>
           </a:xfrm>
         </p:spPr>
         <p:txBody>
           <a:bodyPr>
-            <a:normAutofit fontScale="92500" lnSpcReduction="20000"/>
+            <a:normAutofit fontScale="92500" lnSpcReduction="10000"/>
           </a:bodyPr>
           <a:lstStyle/>
           <a:p>
@@ -11405,18 +12713,26 @@
             </a:pPr>
             <a:r>
               <a:rPr lang="en-US" dirty="0"/>
-              <a:t>There is a limit to how many passwords a user can remember.</a:t>
-            </a:r>
-          </a:p>
-          <a:p>
-            <a:pPr lvl="0">
+              <a:t> A Google survey found that 52% of users reuse the same password for multiple accounts.</a:t>
+            </a:r>
+          </a:p>
+          <a:p>
+            <a:pPr>
               <a:lnSpc>
                 <a:spcPct val="120000"/>
               </a:lnSpc>
             </a:pPr>
+            <a:endParaRPr lang="en-US" dirty="0"/>
+          </a:p>
+          <a:p>
+            <a:pPr>
+              <a:lnSpc>
+                <a:spcPct val="120000"/>
+              </a:lnSpc>
+            </a:pPr>
             <a:r>
               <a:rPr lang="en-US" dirty="0"/>
-              <a:t> A Google survey found that 52 percent of users reuse the same password for multiple accounts.</a:t>
+              <a:t>There is a limit to how many passwords a user can remember.</a:t>
             </a:r>
           </a:p>
           <a:p>
@@ -11482,25 +12798,19 @@
             </a:pPr>
             <a:r>
               <a:rPr lang="en-US" dirty="0"/>
-              <a:t>IBM (2020) found that the average cost of a data breach is $3.68 million, while a data breach in the healthcare industry is estimated to cost around $7.13million. </a:t>
-            </a:r>
-          </a:p>
-          <a:p>
-            <a:pPr>
+              <a:t>IBM (2020) found that the average cost of a data breach is $3.68 million, while a data breach in the healthcare industry is estimated to cost around $7.13 million. </a:t>
+            </a:r>
+          </a:p>
+          <a:p>
+            <a:pPr marL="560070" lvl="1" indent="-285750">
               <a:lnSpc>
                 <a:spcPct val="120000"/>
               </a:lnSpc>
+              <a:buFont typeface="Courier New" panose="02070309020205020404" pitchFamily="49" charset="0"/>
+              <a:buChar char="o"/>
             </a:pPr>
-            <a:endParaRPr lang="en-US" dirty="0"/>
-          </a:p>
-          <a:p>
-            <a:pPr>
-              <a:lnSpc>
-                <a:spcPct val="120000"/>
-              </a:lnSpc>
-            </a:pPr>
-            <a:r>
-              <a:rPr lang="en-US" dirty="0"/>
+            <a:r>
+              <a:rPr lang="en-US" b="0" dirty="0"/>
               <a:t>Data breaches in the United States are among the costliest averaging around $8.64 million.</a:t>
             </a:r>
           </a:p>
@@ -11528,7 +12838,7 @@
         </p:nvSpPr>
         <p:spPr>
           <a:xfrm>
-            <a:off x="7376347" y="1778468"/>
+            <a:off x="7575340" y="1778468"/>
             <a:ext cx="4339306" cy="4281123"/>
           </a:xfrm>
           <a:prstGeom prst="ellipse">
@@ -11590,7 +12900,7 @@
         </p:blipFill>
         <p:spPr>
           <a:xfrm>
-            <a:off x="7496802" y="1869832"/>
+            <a:off x="7695795" y="1869832"/>
             <a:ext cx="4098397" cy="4098397"/>
           </a:xfrm>
           <a:custGeom>
@@ -11889,7 +13199,7 @@
             <a:pPr lvl="0"/>
             <a:r>
               <a:rPr lang="en-US" sz="2000" dirty="0"/>
-              <a:t>No need to remember multiple passwords</a:t>
+              <a:t>No need to remember multiple passwords.</a:t>
             </a:r>
           </a:p>
           <a:p>
@@ -13170,7 +14480,7 @@
         </p:blipFill>
         <p:spPr>
           <a:xfrm>
-            <a:off x="8407814" y="2550928"/>
+            <a:off x="8332420" y="2492332"/>
             <a:ext cx="2821480" cy="2821480"/>
           </a:xfrm>
           <a:prstGeom prst="rect">
@@ -13273,7 +14583,7 @@
           <a:p>
             <a:r>
               <a:rPr lang="en-US" sz="3600" dirty="0"/>
-              <a:t>Solution</a:t>
+              <a:t>Major Features</a:t>
             </a:r>
           </a:p>
         </p:txBody>
@@ -13368,6 +14678,17 @@
             <a:endParaRPr lang="en-US" sz="2000" dirty="0"/>
           </a:p>
           <a:p>
+            <a:pPr lvl="0"/>
+            <a:r>
+              <a:rPr lang="en-US" sz="2000" dirty="0"/>
+              <a:t>No need to store “master” password.</a:t>
+            </a:r>
+          </a:p>
+          <a:p>
+            <a:pPr lvl="0"/>
+            <a:endParaRPr lang="en-US" sz="2000" dirty="0"/>
+          </a:p>
+          <a:p>
             <a:r>
               <a:rPr lang="en-US" sz="2000" dirty="0"/>
               <a:t>Uses AES-256 to encrypt data before sending it to the database.</a:t>
@@ -13382,17 +14703,6 @@
             <a:r>
               <a:rPr lang="en-US" sz="2000" dirty="0"/>
               <a:t>Uses prepared statements to prevent SQL injections.</a:t>
-            </a:r>
-          </a:p>
-          <a:p>
-            <a:pPr lvl="0"/>
-            <a:endParaRPr lang="en-US" sz="2000" dirty="0"/>
-          </a:p>
-          <a:p>
-            <a:pPr lvl="0"/>
-            <a:r>
-              <a:rPr lang="en-US" sz="2000" dirty="0"/>
-              <a:t>Uses a local database.</a:t>
             </a:r>
           </a:p>
           <a:p>
@@ -13570,8 +14880,8 @@
         </p:blipFill>
         <p:spPr>
           <a:xfrm>
-            <a:off x="-207000" y="2171144"/>
-            <a:ext cx="6248037" cy="3514521"/>
+            <a:off x="470366" y="2171144"/>
+            <a:ext cx="5026425" cy="3514521"/>
           </a:xfrm>
           <a:prstGeom prst="rect">
             <a:avLst/>
@@ -13809,7 +15119,7 @@
         <p:spPr>
           <a:xfrm>
             <a:off x="168519" y="208681"/>
-            <a:ext cx="3951654" cy="902037"/>
+            <a:ext cx="5044838" cy="902037"/>
           </a:xfrm>
         </p:spPr>
         <p:txBody>
@@ -13825,7 +15135,7 @@
                   <a:srgbClr val="FFFFFF"/>
                 </a:solidFill>
               </a:rPr>
-              <a:t>functions</a:t>
+              <a:t>User Features</a:t>
             </a:r>
           </a:p>
         </p:txBody>
@@ -13844,7 +15154,7 @@
         </p:nvSpPr>
         <p:spPr>
           <a:xfrm>
-            <a:off x="6961908" y="979463"/>
+            <a:off x="6758801" y="655607"/>
             <a:ext cx="4709005" cy="4899074"/>
           </a:xfrm>
           <a:prstGeom prst="roundRect">
@@ -13900,8 +15210,8 @@
         </p:nvSpPr>
         <p:spPr>
           <a:xfrm>
-            <a:off x="7127578" y="614105"/>
-            <a:ext cx="4543336" cy="5464939"/>
+            <a:off x="6907738" y="428410"/>
+            <a:ext cx="4709005" cy="5464939"/>
           </a:xfrm>
         </p:spPr>
         <p:txBody>
@@ -13912,37 +15222,43 @@
           <a:p>
             <a:r>
               <a:rPr lang="en-US" dirty="0"/>
-              <a:t>Users can create accounts</a:t>
+              <a:t>Users can create accounts.</a:t>
             </a:r>
           </a:p>
           <a:p>
             <a:r>
               <a:rPr lang="en-US" dirty="0"/>
-              <a:t>Create and save records</a:t>
+              <a:t>Create and save records.</a:t>
             </a:r>
           </a:p>
           <a:p>
             <a:r>
               <a:rPr lang="en-US" dirty="0"/>
-              <a:t>Generate strong password for records</a:t>
+              <a:t>Generate strong password for records.</a:t>
             </a:r>
           </a:p>
           <a:p>
             <a:r>
               <a:rPr lang="en-US" dirty="0"/>
-              <a:t>Retrieve records</a:t>
+              <a:t>Retrieve records.</a:t>
             </a:r>
           </a:p>
           <a:p>
             <a:r>
               <a:rPr lang="en-US" dirty="0"/>
-              <a:t>Update records</a:t>
+              <a:t>Automatically copy password to clipboard.</a:t>
             </a:r>
           </a:p>
           <a:p>
             <a:r>
               <a:rPr lang="en-US" dirty="0"/>
-              <a:t>Email authentication</a:t>
+              <a:t>Update records.</a:t>
+            </a:r>
+          </a:p>
+          <a:p>
+            <a:r>
+              <a:rPr lang="en-US" dirty="0"/>
+              <a:t>Account recovery.</a:t>
             </a:r>
           </a:p>
           <a:p>
@@ -13973,7 +15289,7 @@
         </p:nvSpPr>
         <p:spPr>
           <a:xfrm>
-            <a:off x="6095999" y="0"/>
+            <a:off x="6085608" y="0"/>
             <a:ext cx="148937" cy="6858000"/>
           </a:xfrm>
           <a:prstGeom prst="rect">
@@ -14041,7 +15357,7 @@
         </p:blipFill>
         <p:spPr>
           <a:xfrm>
-            <a:off x="7099151" y="1434574"/>
+            <a:off x="6978401" y="1110718"/>
             <a:ext cx="4434518" cy="3988851"/>
           </a:xfrm>
           <a:prstGeom prst="rect">
@@ -14181,7 +15497,7 @@
             <p:ph idx="1"/>
             <p:extLst>
               <p:ext uri="{D42A27DB-BD31-4B8C-83A1-F6EECF244321}">
-                <p14:modId xmlns:p14="http://schemas.microsoft.com/office/powerpoint/2010/main" val="3146721091"/>
+                <p14:modId xmlns:p14="http://schemas.microsoft.com/office/powerpoint/2010/main" val="3791689998"/>
               </p:ext>
             </p:extLst>
           </p:nvPr>
@@ -14752,8 +16068,8 @@
         </p:nvSpPr>
         <p:spPr>
           <a:xfrm>
-            <a:off x="7508248" y="165874"/>
-            <a:ext cx="3734715" cy="568035"/>
+            <a:off x="5334599" y="900330"/>
+            <a:ext cx="7150767" cy="568035"/>
           </a:xfrm>
         </p:spPr>
         <p:txBody>
@@ -14762,9 +16078,17 @@
           </a:bodyPr>
           <a:lstStyle/>
           <a:p>
+            <a:pPr algn="ctr"/>
             <a:r>
               <a:rPr lang="en-US" sz="3600" dirty="0"/>
-              <a:t>Test Results</a:t>
+              <a:t>Usability Test</a:t>
+            </a:r>
+            <a:br>
+              <a:rPr lang="en-US" sz="3600" dirty="0"/>
+            </a:br>
+            <a:r>
+              <a:rPr lang="en-US" sz="3600" dirty="0"/>
+              <a:t> Results</a:t>
             </a:r>
           </a:p>
         </p:txBody>

--- a/Xecured Password Manager Documents/Xecure Password Manager.pptx
+++ b/Xecured Password Manager Documents/Xecure Password Manager.pptx
@@ -2818,7 +2818,7 @@
           <a:p>
             <a:fld id="{DAA9AC6E-9236-48CD-8CA7-B2BACDF2F88F}" type="datetimeFigureOut">
               <a:rPr lang="en-US" smtClean="0"/>
-              <a:t>4/7/2022</a:t>
+              <a:t>4/16/2022</a:t>
             </a:fld>
             <a:endParaRPr lang="en-US"/>
           </a:p>
@@ -3231,51 +3231,7 @@
                 <a:ea typeface="Calibri" panose="020F0502020204030204" pitchFamily="34" charset="0"/>
                 <a:cs typeface="Times New Roman" panose="02020603050405020304" pitchFamily="18" charset="0"/>
               </a:rPr>
-              <a:t>After I had a prototype for the application, I began the testing process. The first step of this process involved creating test cases for the application. </a:t>
-            </a:r>
-          </a:p>
-          <a:p>
-            <a:pPr marL="0" marR="0" indent="457200" algn="l">
-              <a:lnSpc>
-                <a:spcPct val="200000"/>
-              </a:lnSpc>
-              <a:spcBef>
-                <a:spcPts val="0"/>
-              </a:spcBef>
-              <a:spcAft>
-                <a:spcPts val="0"/>
-              </a:spcAft>
-            </a:pPr>
-            <a:r>
-              <a:rPr lang="en-US" sz="1800" dirty="0">
-                <a:effectLst/>
-                <a:latin typeface="Times New Roman" panose="02020603050405020304" pitchFamily="18" charset="0"/>
-                <a:ea typeface="Calibri" panose="020F0502020204030204" pitchFamily="34" charset="0"/>
-                <a:cs typeface="Times New Roman" panose="02020603050405020304" pitchFamily="18" charset="0"/>
-              </a:rPr>
-              <a:t>My goal with the test cases was to describe in detail the behavior of the application under every possible scenario. </a:t>
-            </a:r>
-          </a:p>
-          <a:p>
-            <a:pPr marL="0" marR="0" indent="457200" algn="l">
-              <a:lnSpc>
-                <a:spcPct val="200000"/>
-              </a:lnSpc>
-              <a:spcBef>
-                <a:spcPts val="0"/>
-              </a:spcBef>
-              <a:spcAft>
-                <a:spcPts val="0"/>
-              </a:spcAft>
-            </a:pPr>
-            <a:r>
-              <a:rPr lang="en-US" sz="1800" dirty="0">
-                <a:effectLst/>
-                <a:latin typeface="Times New Roman" panose="02020603050405020304" pitchFamily="18" charset="0"/>
-                <a:ea typeface="Calibri" panose="020F0502020204030204" pitchFamily="34" charset="0"/>
-                <a:cs typeface="Times New Roman" panose="02020603050405020304" pitchFamily="18" charset="0"/>
-              </a:rPr>
-              <a:t>Of course, this is impossible, but I wanted to use the time that I had to run it through this testing cycle that you see up here.</a:t>
+              <a:t>After I had a prototype for the application, I began the testing process. The first step of this process involved creating test cases and fixing any findings.</a:t>
             </a:r>
           </a:p>
           <a:p>
@@ -3316,48 +3272,7 @@
                 <a:ea typeface="Calibri" panose="020F0502020204030204" pitchFamily="34" charset="0"/>
                 <a:cs typeface="Times New Roman" panose="02020603050405020304" pitchFamily="18" charset="0"/>
               </a:rPr>
-              <a:t>I spent so much time developing this application that it was very difficult for me to disconnect myself from it and see it from the perspective of others. </a:t>
-            </a:r>
-          </a:p>
-          <a:p>
-            <a:pPr marL="0" marR="0" indent="457200" algn="l">
-              <a:lnSpc>
-                <a:spcPct val="200000"/>
-              </a:lnSpc>
-              <a:spcBef>
-                <a:spcPts val="0"/>
-              </a:spcBef>
-              <a:spcAft>
-                <a:spcPts val="0"/>
-              </a:spcAft>
-            </a:pPr>
-            <a:endParaRPr lang="en-US" sz="1800" dirty="0">
-              <a:effectLst/>
-              <a:latin typeface="Times New Roman" panose="02020603050405020304" pitchFamily="18" charset="0"/>
-              <a:ea typeface="Calibri" panose="020F0502020204030204" pitchFamily="34" charset="0"/>
-              <a:cs typeface="Times New Roman" panose="02020603050405020304" pitchFamily="18" charset="0"/>
-            </a:endParaRPr>
-          </a:p>
-          <a:p>
-            <a:pPr marL="0" marR="0" indent="457200" algn="l">
-              <a:lnSpc>
-                <a:spcPct val="200000"/>
-              </a:lnSpc>
-              <a:spcBef>
-                <a:spcPts val="0"/>
-              </a:spcBef>
-              <a:spcAft>
-                <a:spcPts val="0"/>
-              </a:spcAft>
-            </a:pPr>
-            <a:r>
-              <a:rPr lang="en-US" sz="1800" dirty="0">
-                <a:effectLst/>
-                <a:latin typeface="Times New Roman" panose="02020603050405020304" pitchFamily="18" charset="0"/>
-                <a:ea typeface="Calibri" panose="020F0502020204030204" pitchFamily="34" charset="0"/>
-                <a:cs typeface="Times New Roman" panose="02020603050405020304" pitchFamily="18" charset="0"/>
-              </a:rPr>
-              <a:t>So, I wanted to get feedback from real users. This feedback would then be used to fix any findings and improve the application, and then the cycle would begin again.</a:t>
+              <a:t> I then wanted to get feedback from real users. This feedback would then be used to fix any additional findings and then I would create new test cases and start the process all over again.</a:t>
             </a:r>
           </a:p>
           <a:p>
@@ -3542,7 +3457,7 @@
           <a:p>
             <a:r>
               <a:rPr lang="en-US" dirty="0"/>
-              <a:t>At the beginning I thought this could serve as another layer of security, as users would need to know this third string in order to login, but it was inconvenient, and users did not like it.</a:t>
+              <a:t>But it was inconvenient, and users did not like it.</a:t>
             </a:r>
           </a:p>
           <a:p>
@@ -3557,7 +3472,7 @@
           <a:p>
             <a:r>
               <a:rPr lang="en-US" dirty="0"/>
-              <a:t>The first iteration of the verification code function , used a similar algorithm as the password generator function. The thing is, that these passwords were built with the idea that they were going to be copied and pasted.</a:t>
+              <a:t>The initial verification codes were long and complicated.</a:t>
             </a:r>
           </a:p>
           <a:p>
@@ -3685,7 +3600,7 @@
             </a:pPr>
             <a:r>
               <a:rPr lang="en-US" dirty="0"/>
-              <a:t>These were the major findings that I was not able to fix due to different constraints:</a:t>
+              <a:t>These were the test case results that I was not able to fix due to different constraints: </a:t>
             </a:r>
           </a:p>
           <a:p>
@@ -3728,7 +3643,50 @@
             </a:pPr>
             <a:r>
               <a:rPr lang="en-US" dirty="0"/>
-              <a:t>First the program cannot prevent users from force closing the application, and thus, it cannot properly sanitize the clipboard if the user force closes the application</a:t>
+              <a:t>One of them being time, and then the first finding that is tied to the command line, which I have not found a way to prevent users from force closing the application</a:t>
+            </a:r>
+          </a:p>
+          <a:p>
+            <a:pPr marL="0" marR="0" lvl="0" indent="0" algn="l" defTabSz="914400" rtl="0" eaLnBrk="1" fontAlgn="auto" latinLnBrk="0" hangingPunct="1">
+              <a:lnSpc>
+                <a:spcPct val="100000"/>
+              </a:lnSpc>
+              <a:spcBef>
+                <a:spcPts val="0"/>
+              </a:spcBef>
+              <a:spcAft>
+                <a:spcPts val="0"/>
+              </a:spcAft>
+              <a:buClrTx/>
+              <a:buSzTx/>
+              <a:buFontTx/>
+              <a:buNone/>
+              <a:tabLst/>
+              <a:defRPr/>
+            </a:pPr>
+            <a:endParaRPr lang="en-US" dirty="0"/>
+          </a:p>
+          <a:p>
+            <a:pPr marL="0" marR="0" lvl="0" indent="0" algn="l" defTabSz="914400" rtl="0" eaLnBrk="1" fontAlgn="auto" latinLnBrk="0" hangingPunct="1">
+              <a:lnSpc>
+                <a:spcPct val="100000"/>
+              </a:lnSpc>
+              <a:spcBef>
+                <a:spcPts val="0"/>
+              </a:spcBef>
+              <a:spcAft>
+                <a:spcPts val="0"/>
+              </a:spcAft>
+              <a:buClrTx/>
+              <a:buSzTx/>
+              <a:buFontTx/>
+              <a:buNone/>
+              <a:tabLst/>
+              <a:defRPr/>
+            </a:pPr>
+            <a:r>
+              <a:rPr lang="en-US" dirty="0"/>
+              <a:t>Thus, it cannot properly sanitize the clipboard if the user force closes the application</a:t>
             </a:r>
           </a:p>
           <a:p>
@@ -3918,8 +3876,28 @@
             </a:pPr>
             <a:r>
               <a:rPr lang="en-US" dirty="0"/>
-              <a:t>***TRY TO FIX IT SO IT DOESN’T SOUND NEGATIVE AND SO THAT IT DOESN’T MAKET THE APP LOOK BAD***</a:t>
-            </a:r>
+              <a:t>No application is 100% secure and I thought it was important for me to acknowledge some of the way this application could be exploited</a:t>
+            </a:r>
+          </a:p>
+          <a:p>
+            <a:pPr marL="0" marR="0" lvl="0" indent="0" algn="l" defTabSz="914400" rtl="0" eaLnBrk="1" fontAlgn="auto" latinLnBrk="0" hangingPunct="1">
+              <a:lnSpc>
+                <a:spcPct val="100000"/>
+              </a:lnSpc>
+              <a:spcBef>
+                <a:spcPts val="0"/>
+              </a:spcBef>
+              <a:spcAft>
+                <a:spcPts val="0"/>
+              </a:spcAft>
+              <a:buClrTx/>
+              <a:buSzTx/>
+              <a:buFontTx/>
+              <a:buNone/>
+              <a:tabLst/>
+              <a:defRPr/>
+            </a:pPr>
+            <a:endParaRPr lang="en-US" dirty="0"/>
           </a:p>
           <a:p>
             <a:r>
@@ -4513,59 +4491,6 @@
                 <a:ea typeface="Calibri" panose="020F0502020204030204" pitchFamily="34" charset="0"/>
                 <a:cs typeface="Times New Roman" panose="02020603050405020304" pitchFamily="18" charset="0"/>
               </a:rPr>
-              <a:t>Password Generator Usage – The password generator was meant to be used throughout the menus that allow you to change/update your password but was removed due to bugs and time constraints. The option to use the password generator when changing a password will be added in the future.</a:t>
-            </a:r>
-          </a:p>
-          <a:p>
-            <a:pPr marL="342900" marR="0" lvl="0" indent="-342900">
-              <a:lnSpc>
-                <a:spcPct val="200000"/>
-              </a:lnSpc>
-              <a:spcBef>
-                <a:spcPts val="0"/>
-              </a:spcBef>
-              <a:spcAft>
-                <a:spcPts val="0"/>
-              </a:spcAft>
-              <a:buFont typeface="Symbol" panose="05050102010706020507" pitchFamily="18" charset="2"/>
-              <a:buChar char=""/>
-              <a:tabLst>
-                <a:tab pos="228600" algn="l"/>
-                <a:tab pos="685800" algn="l"/>
-              </a:tabLst>
-            </a:pPr>
-            <a:endParaRPr lang="en-US" sz="1800" dirty="0">
-              <a:effectLst/>
-              <a:latin typeface="Calibri" panose="020F0502020204030204" pitchFamily="34" charset="0"/>
-              <a:ea typeface="Calibri" panose="020F0502020204030204" pitchFamily="34" charset="0"/>
-              <a:cs typeface="Times New Roman" panose="02020603050405020304" pitchFamily="18" charset="0"/>
-            </a:endParaRPr>
-          </a:p>
-          <a:p>
-            <a:pPr marL="342900" marR="0" lvl="0" indent="-342900">
-              <a:lnSpc>
-                <a:spcPct val="200000"/>
-              </a:lnSpc>
-              <a:spcBef>
-                <a:spcPts val="0"/>
-              </a:spcBef>
-              <a:spcAft>
-                <a:spcPts val="0"/>
-              </a:spcAft>
-              <a:buFont typeface="Symbol" panose="05050102010706020507" pitchFamily="18" charset="2"/>
-              <a:buChar char=""/>
-              <a:tabLst>
-                <a:tab pos="228600" algn="l"/>
-                <a:tab pos="685800" algn="l"/>
-              </a:tabLst>
-            </a:pPr>
-            <a:r>
-              <a:rPr lang="en-US" sz="1800" dirty="0">
-                <a:effectLst/>
-                <a:latin typeface="Times New Roman" panose="02020603050405020304" pitchFamily="18" charset="0"/>
-                <a:ea typeface="Calibri" panose="020F0502020204030204" pitchFamily="34" charset="0"/>
-                <a:cs typeface="Times New Roman" panose="02020603050405020304" pitchFamily="18" charset="0"/>
-              </a:rPr>
               <a:t>Reject Leading Zeros – The current version of the application accepts menu selections that have leading zeros (as long as the input is composed of only leading zeros and a valid integer at the end). A fix will be implemented to validate input that contains leading zeros and reject the input.</a:t>
             </a:r>
           </a:p>
@@ -5044,7 +4969,7 @@
             </a:pPr>
             <a:r>
               <a:rPr lang="en-US" dirty="0"/>
-              <a:t>The management of passwords is one of the most important aspects of Cybersecurity and it is imperative that users implement and practice safe password management practices. </a:t>
+              <a:t>The management of passwords is one of the most important aspects of information security and it is imperative that users implement and practice safe password management practices. </a:t>
             </a:r>
           </a:p>
           <a:p>
@@ -5087,7 +5012,7 @@
             </a:pPr>
             <a:r>
               <a:rPr lang="en-US" dirty="0"/>
-              <a:t>The first step to implementing these safe practices should be to ensure that you are creating strong and unique passwords for every one of your online accounts.</a:t>
+              <a:t>The first step to implementing these safe practices should be to ensure that users are creating strong and unique passwords for every one of their online accounts.</a:t>
             </a:r>
           </a:p>
           <a:p>
@@ -5412,49 +5337,6 @@
               <a:t>The practice of reusing passwords leaves users vulnerable to intrusion attacks, which can result in data loss, monetary loss and more. </a:t>
             </a:r>
           </a:p>
-          <a:p>
-            <a:pPr marL="0" marR="0" lvl="0" indent="0" algn="l" defTabSz="914400" rtl="0" eaLnBrk="1" fontAlgn="auto" latinLnBrk="0" hangingPunct="1">
-              <a:lnSpc>
-                <a:spcPct val="100000"/>
-              </a:lnSpc>
-              <a:spcBef>
-                <a:spcPts val="0"/>
-              </a:spcBef>
-              <a:spcAft>
-                <a:spcPts val="0"/>
-              </a:spcAft>
-              <a:buClrTx/>
-              <a:buSzTx/>
-              <a:buFontTx/>
-              <a:buNone/>
-              <a:tabLst/>
-              <a:defRPr/>
-            </a:pPr>
-            <a:endParaRPr lang="en-US" dirty="0"/>
-          </a:p>
-          <a:p>
-            <a:pPr marL="0" marR="0" lvl="0" indent="0" algn="l" defTabSz="914400" rtl="0" eaLnBrk="1" fontAlgn="auto" latinLnBrk="0" hangingPunct="1">
-              <a:lnSpc>
-                <a:spcPct val="100000"/>
-              </a:lnSpc>
-              <a:spcBef>
-                <a:spcPts val="0"/>
-              </a:spcBef>
-              <a:spcAft>
-                <a:spcPts val="0"/>
-              </a:spcAft>
-              <a:buClrTx/>
-              <a:buSzTx/>
-              <a:buFontTx/>
-              <a:buNone/>
-              <a:tabLst/>
-              <a:defRPr/>
-            </a:pPr>
-            <a:r>
-              <a:rPr lang="en-US" dirty="0"/>
-              <a:t>A report conducted by IBM (2020) found that the average cost of a data breach is $3.68 million, while a data breach in the healthcare industry is estimated to cost around $7.13million. </a:t>
-            </a:r>
-          </a:p>
         </p:txBody>
       </p:sp>
       <p:sp>
@@ -5540,6 +5422,17 @@
             <a:pPr lvl="0"/>
             <a:r>
               <a:rPr lang="en-US" dirty="0"/>
+              <a:t>So a solution is using a password manager</a:t>
+            </a:r>
+          </a:p>
+          <a:p>
+            <a:pPr lvl="0"/>
+            <a:endParaRPr lang="en-US" dirty="0"/>
+          </a:p>
+          <a:p>
+            <a:pPr lvl="0"/>
+            <a:r>
+              <a:rPr lang="en-US" dirty="0"/>
               <a:t>By using a password manager users can easily manage unique passwords for their accounts while eliminating all the difficulties that are associated with complex passwords.</a:t>
             </a:r>
           </a:p>
@@ -5650,7 +5543,27 @@
           <a:bodyPr/>
           <a:lstStyle/>
           <a:p>
+            <a:r>
+              <a:rPr lang="en-US" dirty="0"/>
+              <a:t>When looking into Password manager applications these were found to be the most popular ones in the industry:</a:t>
+            </a:r>
+          </a:p>
+          <a:p>
             <a:endParaRPr lang="en-US" dirty="0"/>
+          </a:p>
+          <a:p>
+            <a:r>
+              <a:rPr lang="en-US" dirty="0"/>
+              <a:t>I have personally used KeePass, LastPass, and </a:t>
+            </a:r>
+            <a:r>
+              <a:rPr lang="en-US" dirty="0" err="1"/>
+              <a:t>NordPass</a:t>
+            </a:r>
+            <a:r>
+              <a:rPr lang="en-US" dirty="0"/>
+              <a:t> and all of them have these features that are pretty standard across the industry.</a:t>
+            </a:r>
           </a:p>
         </p:txBody>
       </p:sp>
@@ -5736,7 +5649,7 @@
           <a:p>
             <a:r>
               <a:rPr lang="en-US" dirty="0"/>
-              <a:t>That is why I created the Xecure application</a:t>
+              <a:t>And so I used all of the previously mentioned applications as inspiration for my own password manager</a:t>
             </a:r>
           </a:p>
           <a:p>
@@ -5745,7 +5658,7 @@
           <a:p>
             <a:r>
               <a:rPr lang="en-US" dirty="0"/>
-              <a:t>Xecure is a password manager application for Windows computers.</a:t>
+              <a:t>Xecure is a command line based password manager application for Windows computers.</a:t>
             </a:r>
           </a:p>
           <a:p>
@@ -5772,7 +5685,7 @@
           <a:p>
             <a:r>
               <a:rPr lang="en-US" dirty="0"/>
-              <a:t>And it uses encryption and a hashing algorithm to protect all of this user data.</a:t>
+              <a:t>And it uses encryption and a hashing algorithm to protect all of the information.</a:t>
             </a:r>
           </a:p>
         </p:txBody>
@@ -5859,7 +5772,7 @@
           <a:p>
             <a:r>
               <a:rPr lang="en-US" dirty="0"/>
-              <a:t>In ordered to run the program you need the following things:</a:t>
+              <a:t>The following services are required to run the application:</a:t>
             </a:r>
           </a:p>
           <a:p>
@@ -5868,7 +5781,7 @@
           <a:p>
             <a:r>
               <a:rPr lang="en-US" dirty="0"/>
-              <a:t>Windows 10 or Windows 11 system</a:t>
+              <a:t>It needs a Windows 10 or Windows 11 system</a:t>
             </a:r>
           </a:p>
           <a:p>
@@ -5877,7 +5790,7 @@
           <a:p>
             <a:r>
               <a:rPr lang="en-US" dirty="0"/>
-              <a:t>You need to have Python 3 and a MySQL Server installed</a:t>
+              <a:t>Needs Python 3 and a MySQL Server installed</a:t>
             </a:r>
           </a:p>
           <a:p>
@@ -5886,7 +5799,7 @@
           <a:p>
             <a:r>
               <a:rPr lang="en-US" dirty="0"/>
-              <a:t>And you also need the version 8 of MySQL Workbench</a:t>
+              <a:t>It also need the version 8 of MySQL Workbench</a:t>
             </a:r>
           </a:p>
           <a:p>
@@ -6483,7 +6396,7 @@
           <a:p>
             <a:fld id="{3C2B07E4-CDF9-4C88-A2F3-04620E58224D}" type="datetimeFigureOut">
               <a:rPr lang="en-US" smtClean="0"/>
-              <a:t>4/7/2022</a:t>
+              <a:t>4/16/2022</a:t>
             </a:fld>
             <a:endParaRPr lang="en-US"/>
           </a:p>
@@ -6773,7 +6686,7 @@
           <a:p>
             <a:fld id="{3C2B07E4-CDF9-4C88-A2F3-04620E58224D}" type="datetimeFigureOut">
               <a:rPr lang="en-US" smtClean="0"/>
-              <a:t>4/7/2022</a:t>
+              <a:t>4/16/2022</a:t>
             </a:fld>
             <a:endParaRPr lang="en-US"/>
           </a:p>
@@ -7025,7 +6938,7 @@
           <a:p>
             <a:fld id="{3C2B07E4-CDF9-4C88-A2F3-04620E58224D}" type="datetimeFigureOut">
               <a:rPr lang="en-US" smtClean="0"/>
-              <a:t>4/7/2022</a:t>
+              <a:t>4/16/2022</a:t>
             </a:fld>
             <a:endParaRPr lang="en-US"/>
           </a:p>
@@ -7277,7 +7190,7 @@
           <a:p>
             <a:fld id="{3C2B07E4-CDF9-4C88-A2F3-04620E58224D}" type="datetimeFigureOut">
               <a:rPr lang="en-US" smtClean="0"/>
-              <a:t>4/7/2022</a:t>
+              <a:t>4/16/2022</a:t>
             </a:fld>
             <a:endParaRPr lang="en-US"/>
           </a:p>
@@ -7606,7 +7519,7 @@
           <a:p>
             <a:fld id="{3C2B07E4-CDF9-4C88-A2F3-04620E58224D}" type="datetimeFigureOut">
               <a:rPr lang="en-US" smtClean="0"/>
-              <a:t>4/7/2022</a:t>
+              <a:t>4/16/2022</a:t>
             </a:fld>
             <a:endParaRPr lang="en-US"/>
           </a:p>
@@ -7956,7 +7869,7 @@
           <a:p>
             <a:fld id="{3C2B07E4-CDF9-4C88-A2F3-04620E58224D}" type="datetimeFigureOut">
               <a:rPr lang="en-US" smtClean="0"/>
-              <a:t>4/7/2022</a:t>
+              <a:t>4/16/2022</a:t>
             </a:fld>
             <a:endParaRPr lang="en-US"/>
           </a:p>
@@ -8468,7 +8381,7 @@
           <a:p>
             <a:fld id="{3C2B07E4-CDF9-4C88-A2F3-04620E58224D}" type="datetimeFigureOut">
               <a:rPr lang="en-US" smtClean="0"/>
-              <a:t>4/7/2022</a:t>
+              <a:t>4/16/2022</a:t>
             </a:fld>
             <a:endParaRPr lang="en-US"/>
           </a:p>
@@ -8796,7 +8709,7 @@
           <a:p>
             <a:fld id="{3C2B07E4-CDF9-4C88-A2F3-04620E58224D}" type="datetimeFigureOut">
               <a:rPr lang="en-US" smtClean="0"/>
-              <a:t>4/7/2022</a:t>
+              <a:t>4/16/2022</a:t>
             </a:fld>
             <a:endParaRPr lang="en-US"/>
           </a:p>
@@ -8909,7 +8822,7 @@
           <a:p>
             <a:fld id="{3C2B07E4-CDF9-4C88-A2F3-04620E58224D}" type="datetimeFigureOut">
               <a:rPr lang="en-US" smtClean="0"/>
-              <a:t>4/7/2022</a:t>
+              <a:t>4/16/2022</a:t>
             </a:fld>
             <a:endParaRPr lang="en-US"/>
           </a:p>
@@ -9250,7 +9163,7 @@
           <a:p>
             <a:fld id="{3C2B07E4-CDF9-4C88-A2F3-04620E58224D}" type="datetimeFigureOut">
               <a:rPr lang="en-US" smtClean="0"/>
-              <a:t>4/7/2022</a:t>
+              <a:t>4/16/2022</a:t>
             </a:fld>
             <a:endParaRPr lang="en-US"/>
           </a:p>
@@ -9550,7 +9463,7 @@
           <a:p>
             <a:fld id="{3C2B07E4-CDF9-4C88-A2F3-04620E58224D}" type="datetimeFigureOut">
               <a:rPr lang="en-US" smtClean="0"/>
-              <a:t>4/7/2022</a:t>
+              <a:t>4/16/2022</a:t>
             </a:fld>
             <a:endParaRPr lang="en-US"/>
           </a:p>
@@ -9790,7 +9703,7 @@
             <a:fld id="{3C2B07E4-CDF9-4C88-A2F3-04620E58224D}" type="datetimeFigureOut">
               <a:rPr lang="en-US" smtClean="0"/>
               <a:pPr/>
-              <a:t>4/7/2022</a:t>
+              <a:t>4/16/2022</a:t>
             </a:fld>
             <a:endParaRPr lang="en-US" dirty="0"/>
           </a:p>
@@ -11340,7 +11253,7 @@
           <a:p>
             <a:r>
               <a:rPr lang="en-US" sz="3600" dirty="0"/>
-              <a:t>Major Findings</a:t>
+              <a:t>Test case Results</a:t>
             </a:r>
           </a:p>
         </p:txBody>
@@ -12219,7 +12132,7 @@
         </p:nvSpPr>
         <p:spPr>
           <a:xfrm>
-            <a:off x="1401040" y="1626540"/>
+            <a:off x="1736217" y="2014769"/>
             <a:ext cx="9389918" cy="4309065"/>
           </a:xfrm>
           <a:prstGeom prst="rect">
@@ -12381,14 +12294,11 @@
               <a:buFont typeface="Arial" panose="020B0604020202020204" pitchFamily="34" charset="0"/>
               <a:buChar char="•"/>
             </a:pPr>
-            <a:r>
-              <a:rPr lang="en-US" sz="2000" dirty="0">
-                <a:effectLst/>
-                <a:ea typeface="Calibri" panose="020F0502020204030204" pitchFamily="34" charset="0"/>
-                <a:cs typeface="Times New Roman" panose="02020603050405020304" pitchFamily="18" charset="0"/>
-              </a:rPr>
-              <a:t>Password Verification Prompt</a:t>
-            </a:r>
+            <a:endParaRPr lang="en-US" sz="2000" dirty="0">
+              <a:effectLst/>
+              <a:ea typeface="Calibri" panose="020F0502020204030204" pitchFamily="34" charset="0"/>
+              <a:cs typeface="Times New Roman" panose="02020603050405020304" pitchFamily="18" charset="0"/>
+            </a:endParaRPr>
           </a:p>
           <a:p>
             <a:pPr marL="342900" marR="0" lvl="0" indent="-342900">
@@ -12406,10 +12316,11 @@
             </a:pPr>
             <a:r>
               <a:rPr lang="en-US" sz="2000" dirty="0">
+                <a:effectLst/>
                 <a:ea typeface="Calibri" panose="020F0502020204030204" pitchFamily="34" charset="0"/>
                 <a:cs typeface="Times New Roman" panose="02020603050405020304" pitchFamily="18" charset="0"/>
               </a:rPr>
-              <a:t>Better Lockout Feature</a:t>
+              <a:t>Password Verification Prompt</a:t>
             </a:r>
           </a:p>
           <a:p>
@@ -12431,7 +12342,7 @@
                 <a:ea typeface="Calibri" panose="020F0502020204030204" pitchFamily="34" charset="0"/>
                 <a:cs typeface="Times New Roman" panose="02020603050405020304" pitchFamily="18" charset="0"/>
               </a:rPr>
-              <a:t>Full Implementation of Password Generator</a:t>
+              <a:t>Better Lockout Feature</a:t>
             </a:r>
           </a:p>
           <a:p>
@@ -12476,7 +12387,7 @@
                 <a:ea typeface="Calibri" panose="020F0502020204030204" pitchFamily="34" charset="0"/>
                 <a:cs typeface="Times New Roman" panose="02020603050405020304" pitchFamily="18" charset="0"/>
               </a:rPr>
-              <a:t>Prevent Force Closing App (Tentative)</a:t>
+              <a:t>Prevent Force Closing App </a:t>
             </a:r>
           </a:p>
           <a:p>
@@ -12544,7 +12455,7 @@
         </p:blipFill>
         <p:spPr>
           <a:xfrm>
-            <a:off x="1874763" y="1687343"/>
+            <a:off x="1736217" y="1687343"/>
             <a:ext cx="7920401" cy="4455226"/>
           </a:xfrm>
           <a:prstGeom prst="rect">
@@ -12610,8 +12521,12 @@
           <a:lstStyle/>
           <a:p>
             <a:r>
+              <a:rPr lang="en-US" sz="3600"/>
+              <a:t>Challenges &amp; </a:t>
+            </a:r>
+            <a:r>
               <a:rPr lang="en-US" sz="3600" dirty="0"/>
-              <a:t>Challenges overcome &amp; Motivation</a:t>
+              <a:t>Motivation</a:t>
             </a:r>
           </a:p>
         </p:txBody>
@@ -13850,8 +13765,8 @@
         </p:nvSpPr>
         <p:spPr>
           <a:xfrm>
-            <a:off x="1028700" y="1025718"/>
-            <a:ext cx="4057650" cy="4770783"/>
+            <a:off x="484911" y="1025718"/>
+            <a:ext cx="5017221" cy="4770783"/>
           </a:xfrm>
         </p:spPr>
         <p:txBody>
@@ -13912,7 +13827,7 @@
             </a:pPr>
             <a:r>
               <a:rPr lang="en-US" dirty="0"/>
-              <a:t>Management of passwords is one of the most important aspects of Cybersecurity.</a:t>
+              <a:t>Management of passwords is one of the most important aspects of information security.</a:t>
             </a:r>
           </a:p>
           <a:p>
@@ -14387,7 +14302,7 @@
         </p:nvSpPr>
         <p:spPr>
           <a:xfrm>
-            <a:off x="476347" y="1611221"/>
+            <a:off x="525812" y="1864438"/>
             <a:ext cx="6644169" cy="5091298"/>
           </a:xfrm>
         </p:spPr>
@@ -14403,7 +14318,7 @@
               </a:lnSpc>
             </a:pPr>
             <a:r>
-              <a:rPr lang="en-US" dirty="0"/>
+              <a:rPr lang="en-US" sz="2000" dirty="0"/>
               <a:t> A Google survey found that 52% of users reuse the same password for multiple accounts.</a:t>
             </a:r>
           </a:p>
@@ -14413,7 +14328,7 @@
                 <a:spcPct val="120000"/>
               </a:lnSpc>
             </a:pPr>
-            <a:endParaRPr lang="en-US" dirty="0"/>
+            <a:endParaRPr lang="en-US" sz="2000" dirty="0"/>
           </a:p>
           <a:p>
             <a:pPr>
@@ -14422,7 +14337,7 @@
               </a:lnSpc>
             </a:pPr>
             <a:r>
-              <a:rPr lang="en-US" dirty="0"/>
+              <a:rPr lang="en-US" sz="2000" dirty="0"/>
               <a:t>There is a limit to how many passwords a user can remember.</a:t>
             </a:r>
           </a:p>
@@ -14433,7 +14348,7 @@
               </a:lnSpc>
               <a:buNone/>
             </a:pPr>
-            <a:endParaRPr lang="en-US" dirty="0"/>
+            <a:endParaRPr lang="en-US" sz="2000" dirty="0"/>
           </a:p>
           <a:p>
             <a:pPr lvl="0">
@@ -14442,7 +14357,7 @@
               </a:lnSpc>
             </a:pPr>
             <a:r>
-              <a:rPr lang="en-US" dirty="0"/>
+              <a:rPr lang="en-US" sz="2000" dirty="0"/>
               <a:t>Reusing passwords:</a:t>
             </a:r>
           </a:p>
@@ -14455,7 +14370,7 @@
               <a:buChar char="o"/>
             </a:pPr>
             <a:r>
-              <a:rPr lang="en-US" sz="1800" b="0" dirty="0"/>
+              <a:rPr lang="en-US" sz="2000" b="0" dirty="0"/>
               <a:t>Leaves users vulnerable to intrusion attacks.</a:t>
             </a:r>
           </a:p>
@@ -14468,30 +14383,13 @@
               <a:buChar char="o"/>
             </a:pPr>
             <a:r>
+              <a:rPr lang="en-US" sz="2000" b="0" dirty="0"/>
+              <a:t>Result in data loss, monetary loss and more</a:t>
+            </a:r>
+            <a:r>
               <a:rPr lang="en-US" sz="1800" b="0" dirty="0"/>
-              <a:t>Result in data loss, monetary loss and more.</a:t>
-            </a:r>
-          </a:p>
-          <a:p>
-            <a:pPr marL="0" lvl="0" indent="0">
-              <a:lnSpc>
-                <a:spcPct val="120000"/>
-              </a:lnSpc>
-              <a:buNone/>
-            </a:pPr>
-            <a:endParaRPr lang="en-US" dirty="0"/>
-          </a:p>
-          <a:p>
-            <a:pPr>
-              <a:lnSpc>
-                <a:spcPct val="120000"/>
-              </a:lnSpc>
-            </a:pPr>
-            <a:r>
-              <a:rPr lang="en-US" dirty="0"/>
-              <a:t>IBM (2020) found that the average cost of a data breach is $3.68 million.</a:t>
-            </a:r>
-            <a:endParaRPr lang="en-US" sz="1100" dirty="0"/>
+              <a:t>.</a:t>
+            </a:r>
           </a:p>
         </p:txBody>
       </p:sp>
@@ -14693,7 +14591,7 @@
         </p:blipFill>
         <p:spPr>
           <a:xfrm>
-            <a:off x="-423599" y="1748369"/>
+            <a:off x="-622415" y="1929257"/>
             <a:ext cx="7920401" cy="4455226"/>
           </a:xfrm>
           <a:prstGeom prst="rect">
@@ -14848,7 +14746,7 @@
             <a:pPr lvl="0"/>
             <a:r>
               <a:rPr lang="en-US" sz="2000" dirty="0"/>
-              <a:t>Password managers can easily eliminate all the difficulties that are associated with having unique and complex passwords.</a:t>
+              <a:t>Password managers eliminate the difficulties that are associated with having unique and complex passwords.</a:t>
             </a:r>
           </a:p>
           <a:p>
@@ -15198,7 +15096,7 @@
                   <a:srgbClr val="FFFFFF"/>
                 </a:solidFill>
               </a:rPr>
-              <a:t>Password Managers</a:t>
+              <a:t>Research</a:t>
             </a:r>
           </a:p>
         </p:txBody>
@@ -18280,7 +18178,7 @@
           <a:p>
             <a:r>
               <a:rPr lang="en-US" dirty="0"/>
-              <a:t>Users can create accounts.</a:t>
+              <a:t>Create unlimited accounts.</a:t>
             </a:r>
           </a:p>
           <a:p>
@@ -18318,9 +18216,6 @@
               <a:rPr lang="en-US" dirty="0"/>
               <a:t>Account recovery.</a:t>
             </a:r>
-          </a:p>
-          <a:p>
-            <a:endParaRPr lang="en-US" dirty="0"/>
           </a:p>
           <a:p>
             <a:pPr marL="0" indent="0" algn="ctr">

--- a/Xecured Password Manager Documents/Xecure Password Manager.pptx
+++ b/Xecured Password Manager Documents/Xecure Password Manager.pptx
@@ -2818,7 +2818,7 @@
           <a:p>
             <a:fld id="{DAA9AC6E-9236-48CD-8CA7-B2BACDF2F88F}" type="datetimeFigureOut">
               <a:rPr lang="en-US" smtClean="0"/>
-              <a:t>4/16/2022</a:t>
+              <a:t>4/18/2022</a:t>
             </a:fld>
             <a:endParaRPr lang="en-US"/>
           </a:p>
@@ -3729,49 +3729,6 @@
             </a:pPr>
             <a:r>
               <a:rPr lang="en-US" dirty="0"/>
-              <a:t>There is also an issues that prevents the user from properly exiting or logging out of the application if the 15 second timer of the clipboard is not done.</a:t>
-            </a:r>
-          </a:p>
-          <a:p>
-            <a:pPr marL="0" marR="0" lvl="0" indent="0" algn="l" defTabSz="914400" rtl="0" eaLnBrk="1" fontAlgn="auto" latinLnBrk="0" hangingPunct="1">
-              <a:lnSpc>
-                <a:spcPct val="100000"/>
-              </a:lnSpc>
-              <a:spcBef>
-                <a:spcPts val="0"/>
-              </a:spcBef>
-              <a:spcAft>
-                <a:spcPts val="0"/>
-              </a:spcAft>
-              <a:buClrTx/>
-              <a:buSzTx/>
-              <a:buFontTx/>
-              <a:buNone/>
-              <a:tabLst/>
-              <a:defRPr/>
-            </a:pPr>
-            <a:endParaRPr lang="en-US" dirty="0"/>
-          </a:p>
-          <a:p>
-            <a:pPr marL="0" marR="0" lvl="0" indent="0" algn="l" defTabSz="914400" rtl="0" eaLnBrk="1" fontAlgn="auto" latinLnBrk="0" hangingPunct="1">
-              <a:lnSpc>
-                <a:spcPct val="100000"/>
-              </a:lnSpc>
-              <a:spcBef>
-                <a:spcPts val="0"/>
-              </a:spcBef>
-              <a:spcAft>
-                <a:spcPts val="0"/>
-              </a:spcAft>
-              <a:buClrTx/>
-              <a:buSzTx/>
-              <a:buFontTx/>
-              <a:buNone/>
-              <a:tabLst/>
-              <a:defRPr/>
-            </a:pPr>
-            <a:r>
-              <a:rPr lang="en-US" dirty="0"/>
               <a:t>Lastly, the application does not check to see if the email that you entered is actually a valid email.</a:t>
             </a:r>
           </a:p>
@@ -4230,7 +4187,7 @@
             </a:r>
           </a:p>
           <a:p>
-            <a:pPr marL="342900" marR="0" lvl="0" indent="-342900">
+            <a:pPr marL="0" marR="0" lvl="0" indent="0">
               <a:lnSpc>
                 <a:spcPct val="200000"/>
               </a:lnSpc>
@@ -4241,60 +4198,7 @@
                 <a:spcPts val="0"/>
               </a:spcAft>
               <a:buFont typeface="Symbol" panose="05050102010706020507" pitchFamily="18" charset="2"/>
-              <a:buChar char=""/>
-              <a:tabLst>
-                <a:tab pos="228600" algn="l"/>
-                <a:tab pos="685800" algn="l"/>
-              </a:tabLst>
-            </a:pPr>
-            <a:endParaRPr lang="en-US" sz="1800" dirty="0">
-              <a:effectLst/>
-              <a:latin typeface="Calibri" panose="020F0502020204030204" pitchFamily="34" charset="0"/>
-              <a:ea typeface="Calibri" panose="020F0502020204030204" pitchFamily="34" charset="0"/>
-              <a:cs typeface="Times New Roman" panose="02020603050405020304" pitchFamily="18" charset="0"/>
-            </a:endParaRPr>
-          </a:p>
-          <a:p>
-            <a:pPr marL="342900" marR="0" lvl="0" indent="-342900">
-              <a:lnSpc>
-                <a:spcPct val="200000"/>
-              </a:lnSpc>
-              <a:spcBef>
-                <a:spcPts val="0"/>
-              </a:spcBef>
-              <a:spcAft>
-                <a:spcPts val="0"/>
-              </a:spcAft>
-              <a:buFont typeface="Symbol" panose="05050102010706020507" pitchFamily="18" charset="2"/>
-              <a:buChar char=""/>
-              <a:tabLst>
-                <a:tab pos="228600" algn="l"/>
-                <a:tab pos="685800" algn="l"/>
-              </a:tabLst>
-            </a:pPr>
-            <a:r>
-              <a:rPr lang="en-US" sz="1800" dirty="0">
-                <a:effectLst/>
-                <a:latin typeface="Times New Roman" panose="02020603050405020304" pitchFamily="18" charset="0"/>
-                <a:ea typeface="Calibri" panose="020F0502020204030204" pitchFamily="34" charset="0"/>
-                <a:cs typeface="Times New Roman" panose="02020603050405020304" pitchFamily="18" charset="0"/>
-              </a:rPr>
-              <a:t>Stop Sleep Thread – The current version of the application cannot properly exit or logout users if the timer for the Sleep() thread has not finished. This fix is a priority and it will ensure that the Sleep() thread is stopped if a user tries to exit or logout of the application before the fifteen seconds are finished.</a:t>
-            </a:r>
-          </a:p>
-          <a:p>
-            <a:pPr marL="342900" marR="0" lvl="0" indent="-342900">
-              <a:lnSpc>
-                <a:spcPct val="200000"/>
-              </a:lnSpc>
-              <a:spcBef>
-                <a:spcPts val="0"/>
-              </a:spcBef>
-              <a:spcAft>
-                <a:spcPts val="0"/>
-              </a:spcAft>
-              <a:buFont typeface="Symbol" panose="05050102010706020507" pitchFamily="18" charset="2"/>
-              <a:buChar char=""/>
+              <a:buNone/>
               <a:tabLst>
                 <a:tab pos="228600" algn="l"/>
                 <a:tab pos="685800" algn="l"/>
@@ -6396,7 +6300,7 @@
           <a:p>
             <a:fld id="{3C2B07E4-CDF9-4C88-A2F3-04620E58224D}" type="datetimeFigureOut">
               <a:rPr lang="en-US" smtClean="0"/>
-              <a:t>4/16/2022</a:t>
+              <a:t>4/18/2022</a:t>
             </a:fld>
             <a:endParaRPr lang="en-US"/>
           </a:p>
@@ -6686,7 +6590,7 @@
           <a:p>
             <a:fld id="{3C2B07E4-CDF9-4C88-A2F3-04620E58224D}" type="datetimeFigureOut">
               <a:rPr lang="en-US" smtClean="0"/>
-              <a:t>4/16/2022</a:t>
+              <a:t>4/18/2022</a:t>
             </a:fld>
             <a:endParaRPr lang="en-US"/>
           </a:p>
@@ -6938,7 +6842,7 @@
           <a:p>
             <a:fld id="{3C2B07E4-CDF9-4C88-A2F3-04620E58224D}" type="datetimeFigureOut">
               <a:rPr lang="en-US" smtClean="0"/>
-              <a:t>4/16/2022</a:t>
+              <a:t>4/18/2022</a:t>
             </a:fld>
             <a:endParaRPr lang="en-US"/>
           </a:p>
@@ -7190,7 +7094,7 @@
           <a:p>
             <a:fld id="{3C2B07E4-CDF9-4C88-A2F3-04620E58224D}" type="datetimeFigureOut">
               <a:rPr lang="en-US" smtClean="0"/>
-              <a:t>4/16/2022</a:t>
+              <a:t>4/18/2022</a:t>
             </a:fld>
             <a:endParaRPr lang="en-US"/>
           </a:p>
@@ -7519,7 +7423,7 @@
           <a:p>
             <a:fld id="{3C2B07E4-CDF9-4C88-A2F3-04620E58224D}" type="datetimeFigureOut">
               <a:rPr lang="en-US" smtClean="0"/>
-              <a:t>4/16/2022</a:t>
+              <a:t>4/18/2022</a:t>
             </a:fld>
             <a:endParaRPr lang="en-US"/>
           </a:p>
@@ -7869,7 +7773,7 @@
           <a:p>
             <a:fld id="{3C2B07E4-CDF9-4C88-A2F3-04620E58224D}" type="datetimeFigureOut">
               <a:rPr lang="en-US" smtClean="0"/>
-              <a:t>4/16/2022</a:t>
+              <a:t>4/18/2022</a:t>
             </a:fld>
             <a:endParaRPr lang="en-US"/>
           </a:p>
@@ -8381,7 +8285,7 @@
           <a:p>
             <a:fld id="{3C2B07E4-CDF9-4C88-A2F3-04620E58224D}" type="datetimeFigureOut">
               <a:rPr lang="en-US" smtClean="0"/>
-              <a:t>4/16/2022</a:t>
+              <a:t>4/18/2022</a:t>
             </a:fld>
             <a:endParaRPr lang="en-US"/>
           </a:p>
@@ -8709,7 +8613,7 @@
           <a:p>
             <a:fld id="{3C2B07E4-CDF9-4C88-A2F3-04620E58224D}" type="datetimeFigureOut">
               <a:rPr lang="en-US" smtClean="0"/>
-              <a:t>4/16/2022</a:t>
+              <a:t>4/18/2022</a:t>
             </a:fld>
             <a:endParaRPr lang="en-US"/>
           </a:p>
@@ -8822,7 +8726,7 @@
           <a:p>
             <a:fld id="{3C2B07E4-CDF9-4C88-A2F3-04620E58224D}" type="datetimeFigureOut">
               <a:rPr lang="en-US" smtClean="0"/>
-              <a:t>4/16/2022</a:t>
+              <a:t>4/18/2022</a:t>
             </a:fld>
             <a:endParaRPr lang="en-US"/>
           </a:p>
@@ -9163,7 +9067,7 @@
           <a:p>
             <a:fld id="{3C2B07E4-CDF9-4C88-A2F3-04620E58224D}" type="datetimeFigureOut">
               <a:rPr lang="en-US" smtClean="0"/>
-              <a:t>4/16/2022</a:t>
+              <a:t>4/18/2022</a:t>
             </a:fld>
             <a:endParaRPr lang="en-US"/>
           </a:p>
@@ -9463,7 +9367,7 @@
           <a:p>
             <a:fld id="{3C2B07E4-CDF9-4C88-A2F3-04620E58224D}" type="datetimeFigureOut">
               <a:rPr lang="en-US" smtClean="0"/>
-              <a:t>4/16/2022</a:t>
+              <a:t>4/18/2022</a:t>
             </a:fld>
             <a:endParaRPr lang="en-US"/>
           </a:p>
@@ -9703,7 +9607,7 @@
             <a:fld id="{3C2B07E4-CDF9-4C88-A2F3-04620E58224D}" type="datetimeFigureOut">
               <a:rPr lang="en-US" smtClean="0"/>
               <a:pPr/>
-              <a:t>4/16/2022</a:t>
+              <a:t>4/18/2022</a:t>
             </a:fld>
             <a:endParaRPr lang="en-US" dirty="0"/>
           </a:p>
@@ -11378,8 +11282,8 @@
         </p:nvSpPr>
         <p:spPr>
           <a:xfrm>
-            <a:off x="1101436" y="2078182"/>
-            <a:ext cx="9829800" cy="3887411"/>
+            <a:off x="1005497" y="2680777"/>
+            <a:ext cx="10180087" cy="2197718"/>
           </a:xfrm>
           <a:prstGeom prst="rect">
             <a:avLst/>
@@ -11406,33 +11310,13 @@
               <a:buChar char="•"/>
             </a:pPr>
             <a:r>
-              <a:rPr lang="en-US" dirty="0">
+              <a:rPr lang="en-US" sz="2400" dirty="0">
                 <a:effectLst/>
                 <a:ea typeface="Calibri" panose="020F0502020204030204" pitchFamily="34" charset="0"/>
                 <a:cs typeface="Times New Roman" panose="02020603050405020304" pitchFamily="18" charset="0"/>
               </a:rPr>
               <a:t>Application does not sanitize clipboard if user force closes the application.</a:t>
             </a:r>
-          </a:p>
-          <a:p>
-            <a:pPr marL="285750" marR="0" lvl="0" indent="-285750">
-              <a:lnSpc>
-                <a:spcPct val="200000"/>
-              </a:lnSpc>
-              <a:spcBef>
-                <a:spcPts val="0"/>
-              </a:spcBef>
-              <a:spcAft>
-                <a:spcPts val="0"/>
-              </a:spcAft>
-              <a:buFont typeface="Arial" panose="020B0604020202020204" pitchFamily="34" charset="0"/>
-              <a:buChar char="•"/>
-            </a:pPr>
-            <a:endParaRPr lang="en-US" dirty="0">
-              <a:effectLst/>
-              <a:ea typeface="Calibri" panose="020F0502020204030204" pitchFamily="34" charset="0"/>
-              <a:cs typeface="Times New Roman" panose="02020603050405020304" pitchFamily="18" charset="0"/>
-            </a:endParaRPr>
           </a:p>
           <a:p>
             <a:pPr marL="342900" marR="0" lvl="0" indent="-342900">
@@ -11448,30 +11332,7 @@
               <a:buFont typeface="Arial" panose="020B0604020202020204" pitchFamily="34" charset="0"/>
               <a:buChar char="•"/>
             </a:pPr>
-            <a:r>
-              <a:rPr lang="en-US" dirty="0">
-                <a:effectLst/>
-                <a:ea typeface="Calibri" panose="020F0502020204030204" pitchFamily="34" charset="0"/>
-                <a:cs typeface="Times New Roman" panose="02020603050405020304" pitchFamily="18" charset="0"/>
-              </a:rPr>
-              <a:t>Cannot properly exit application until the fifteen seconds of the clipboard are done.</a:t>
-            </a:r>
-          </a:p>
-          <a:p>
-            <a:pPr marL="285750" marR="0" lvl="0" indent="-285750">
-              <a:lnSpc>
-                <a:spcPct val="200000"/>
-              </a:lnSpc>
-              <a:spcBef>
-                <a:spcPts val="0"/>
-              </a:spcBef>
-              <a:spcAft>
-                <a:spcPts val="0"/>
-              </a:spcAft>
-              <a:buFont typeface="Arial" panose="020B0604020202020204" pitchFamily="34" charset="0"/>
-              <a:buChar char="•"/>
-            </a:pPr>
-            <a:endParaRPr lang="en-US" dirty="0">
+            <a:endParaRPr lang="en-US" sz="2400" dirty="0">
               <a:effectLst/>
               <a:ea typeface="Calibri" panose="020F0502020204030204" pitchFamily="34" charset="0"/>
               <a:cs typeface="Times New Roman" panose="02020603050405020304" pitchFamily="18" charset="0"/>
@@ -11492,56 +11353,13 @@
               <a:buChar char="•"/>
             </a:pPr>
             <a:r>
-              <a:rPr lang="en-US" dirty="0">
-                <a:effectLst/>
+              <a:rPr lang="en-US" sz="2400" dirty="0">
                 <a:ea typeface="Calibri" panose="020F0502020204030204" pitchFamily="34" charset="0"/>
                 <a:cs typeface="Times New Roman" panose="02020603050405020304" pitchFamily="18" charset="0"/>
               </a:rPr>
-              <a:t>Cannot properly logout of the application until the fifteen seconds of the clipboard are done.</a:t>
-            </a:r>
-          </a:p>
-          <a:p>
-            <a:pPr marL="342900" marR="0" lvl="0" indent="-342900">
-              <a:lnSpc>
-                <a:spcPct val="200000"/>
-              </a:lnSpc>
-              <a:spcBef>
-                <a:spcPts val="0"/>
-              </a:spcBef>
-              <a:spcAft>
-                <a:spcPts val="0"/>
-              </a:spcAft>
-              <a:buFont typeface="Arial" panose="020B0604020202020204" pitchFamily="34" charset="0"/>
-              <a:buChar char="•"/>
-            </a:pPr>
-            <a:endParaRPr lang="en-US" dirty="0">
-              <a:effectLst/>
-              <a:ea typeface="Calibri" panose="020F0502020204030204" pitchFamily="34" charset="0"/>
-              <a:cs typeface="Times New Roman" panose="02020603050405020304" pitchFamily="18" charset="0"/>
-            </a:endParaRPr>
-          </a:p>
-          <a:p>
-            <a:pPr marL="342900" marR="0" lvl="0" indent="-342900">
-              <a:lnSpc>
-                <a:spcPct val="200000"/>
-              </a:lnSpc>
-              <a:spcBef>
-                <a:spcPts val="0"/>
-              </a:spcBef>
-              <a:spcAft>
-                <a:spcPts val="0"/>
-              </a:spcAft>
-              <a:buFont typeface="Arial" panose="020B0604020202020204" pitchFamily="34" charset="0"/>
-              <a:buChar char="•"/>
-            </a:pPr>
-            <a:r>
-              <a:rPr lang="en-US" dirty="0">
-                <a:ea typeface="Calibri" panose="020F0502020204030204" pitchFamily="34" charset="0"/>
-                <a:cs typeface="Times New Roman" panose="02020603050405020304" pitchFamily="18" charset="0"/>
-              </a:rPr>
-              <a:t>No email validation.</a:t>
-            </a:r>
-            <a:endParaRPr lang="en-US" dirty="0">
+              <a:t>No email validation when registering.</a:t>
+            </a:r>
+            <a:endParaRPr lang="en-US" sz="2400" dirty="0">
               <a:effectLst/>
               <a:ea typeface="Calibri" panose="020F0502020204030204" pitchFamily="34" charset="0"/>
               <a:cs typeface="Times New Roman" panose="02020603050405020304" pitchFamily="18" charset="0"/>
@@ -11577,7 +11395,7 @@
         </p:blipFill>
         <p:spPr>
           <a:xfrm>
-            <a:off x="1874763" y="1687343"/>
+            <a:off x="1763926" y="1779954"/>
             <a:ext cx="7920401" cy="4455226"/>
           </a:xfrm>
           <a:prstGeom prst="rect">
@@ -12132,8 +11950,8 @@
         </p:nvSpPr>
         <p:spPr>
           <a:xfrm>
-            <a:off x="1736217" y="2014769"/>
-            <a:ext cx="9389918" cy="4309065"/>
+            <a:off x="1556107" y="2162827"/>
+            <a:ext cx="9722409" cy="4893647"/>
           </a:xfrm>
           <a:prstGeom prst="rect">
             <a:avLst/>
@@ -12251,34 +12069,16 @@
             </a:pPr>
             <a:r>
               <a:rPr lang="en-US" sz="2000" dirty="0">
-                <a:effectLst/>
-                <a:ea typeface="Calibri" panose="020F0502020204030204" pitchFamily="34" charset="0"/>
-                <a:cs typeface="Times New Roman" panose="02020603050405020304" pitchFamily="18" charset="0"/>
-              </a:rPr>
-              <a:t>Clipboard Exit/Logout Fix</a:t>
-            </a:r>
-          </a:p>
-          <a:p>
-            <a:pPr marL="342900" marR="0" lvl="0" indent="-342900">
-              <a:lnSpc>
-                <a:spcPct val="200000"/>
-              </a:lnSpc>
-              <a:spcBef>
-                <a:spcPts val="0"/>
-              </a:spcBef>
-              <a:spcAft>
-                <a:spcPts val="0"/>
-              </a:spcAft>
-              <a:buFont typeface="Arial" panose="020B0604020202020204" pitchFamily="34" charset="0"/>
-              <a:buChar char="•"/>
-            </a:pPr>
-            <a:r>
-              <a:rPr lang="en-US" sz="2000" dirty="0">
                 <a:ea typeface="Calibri" panose="020F0502020204030204" pitchFamily="34" charset="0"/>
                 <a:cs typeface="Times New Roman" panose="02020603050405020304" pitchFamily="18" charset="0"/>
               </a:rPr>
               <a:t>Additional Authentication Methods</a:t>
             </a:r>
+            <a:endParaRPr lang="en-US" sz="2000" dirty="0">
+              <a:effectLst/>
+              <a:ea typeface="Calibri" panose="020F0502020204030204" pitchFamily="34" charset="0"/>
+              <a:cs typeface="Times New Roman" panose="02020603050405020304" pitchFamily="18" charset="0"/>
+            </a:endParaRPr>
           </a:p>
           <a:p>
             <a:pPr marL="342900" marR="0" lvl="0" indent="-342900">
@@ -12314,14 +12114,10 @@
               <a:buFont typeface="Arial" panose="020B0604020202020204" pitchFamily="34" charset="0"/>
               <a:buChar char="•"/>
             </a:pPr>
-            <a:r>
-              <a:rPr lang="en-US" sz="2000" dirty="0">
-                <a:effectLst/>
-                <a:ea typeface="Calibri" panose="020F0502020204030204" pitchFamily="34" charset="0"/>
-                <a:cs typeface="Times New Roman" panose="02020603050405020304" pitchFamily="18" charset="0"/>
-              </a:rPr>
-              <a:t>Password Verification Prompt</a:t>
-            </a:r>
+            <a:endParaRPr lang="en-US" sz="2000" dirty="0">
+              <a:ea typeface="Calibri" panose="020F0502020204030204" pitchFamily="34" charset="0"/>
+              <a:cs typeface="Times New Roman" panose="02020603050405020304" pitchFamily="18" charset="0"/>
+            </a:endParaRPr>
           </a:p>
           <a:p>
             <a:pPr marL="342900" marR="0" lvl="0" indent="-342900">
@@ -12337,13 +12133,11 @@
               <a:buFont typeface="Arial" panose="020B0604020202020204" pitchFamily="34" charset="0"/>
               <a:buChar char="•"/>
             </a:pPr>
-            <a:r>
-              <a:rPr lang="en-US" sz="2000" dirty="0">
-                <a:ea typeface="Calibri" panose="020F0502020204030204" pitchFamily="34" charset="0"/>
-                <a:cs typeface="Times New Roman" panose="02020603050405020304" pitchFamily="18" charset="0"/>
-              </a:rPr>
-              <a:t>Better Lockout Feature</a:t>
-            </a:r>
+            <a:endParaRPr lang="en-US" sz="2000" dirty="0">
+              <a:effectLst/>
+              <a:ea typeface="Calibri" panose="020F0502020204030204" pitchFamily="34" charset="0"/>
+              <a:cs typeface="Times New Roman" panose="02020603050405020304" pitchFamily="18" charset="0"/>
+            </a:endParaRPr>
           </a:p>
           <a:p>
             <a:pPr marL="342900" marR="0" lvl="0" indent="-342900">
@@ -12365,7 +12159,7 @@
                 <a:ea typeface="Calibri" panose="020F0502020204030204" pitchFamily="34" charset="0"/>
                 <a:cs typeface="Times New Roman" panose="02020603050405020304" pitchFamily="18" charset="0"/>
               </a:rPr>
-              <a:t>Prevent Leading Zeros</a:t>
+              <a:t>Password Verification Prompt</a:t>
             </a:r>
           </a:p>
           <a:p>
@@ -12387,7 +12181,7 @@
                 <a:ea typeface="Calibri" panose="020F0502020204030204" pitchFamily="34" charset="0"/>
                 <a:cs typeface="Times New Roman" panose="02020603050405020304" pitchFamily="18" charset="0"/>
               </a:rPr>
-              <a:t>Prevent Force Closing App </a:t>
+              <a:t>Better Lockout Feature</a:t>
             </a:r>
           </a:p>
           <a:p>
@@ -12410,6 +12204,51 @@
                 <a:ea typeface="Calibri" panose="020F0502020204030204" pitchFamily="34" charset="0"/>
                 <a:cs typeface="Times New Roman" panose="02020603050405020304" pitchFamily="18" charset="0"/>
               </a:rPr>
+              <a:t>Prevent Leading Zeros</a:t>
+            </a:r>
+          </a:p>
+          <a:p>
+            <a:pPr marL="342900" marR="0" lvl="0" indent="-342900">
+              <a:lnSpc>
+                <a:spcPct val="200000"/>
+              </a:lnSpc>
+              <a:spcBef>
+                <a:spcPts val="0"/>
+              </a:spcBef>
+              <a:spcAft>
+                <a:spcPts val="0"/>
+              </a:spcAft>
+              <a:buFont typeface="Arial" panose="020B0604020202020204" pitchFamily="34" charset="0"/>
+              <a:buChar char="•"/>
+            </a:pPr>
+            <a:r>
+              <a:rPr lang="en-US" sz="2000" dirty="0">
+                <a:ea typeface="Calibri" panose="020F0502020204030204" pitchFamily="34" charset="0"/>
+                <a:cs typeface="Times New Roman" panose="02020603050405020304" pitchFamily="18" charset="0"/>
+              </a:rPr>
+              <a:t>Prevent Force Closing App </a:t>
+            </a:r>
+          </a:p>
+          <a:p>
+            <a:pPr marL="342900" marR="0" lvl="0" indent="-342900">
+              <a:lnSpc>
+                <a:spcPct val="200000"/>
+              </a:lnSpc>
+              <a:spcBef>
+                <a:spcPts val="0"/>
+              </a:spcBef>
+              <a:spcAft>
+                <a:spcPts val="0"/>
+              </a:spcAft>
+              <a:buFont typeface="Arial" panose="020B0604020202020204" pitchFamily="34" charset="0"/>
+              <a:buChar char="•"/>
+            </a:pPr>
+            <a:r>
+              <a:rPr lang="en-US" sz="2000" dirty="0">
+                <a:effectLst/>
+                <a:ea typeface="Calibri" panose="020F0502020204030204" pitchFamily="34" charset="0"/>
+                <a:cs typeface="Times New Roman" panose="02020603050405020304" pitchFamily="18" charset="0"/>
+              </a:rPr>
               <a:t>G</a:t>
             </a:r>
             <a:r>
@@ -12455,7 +12294,7 @@
         </p:blipFill>
         <p:spPr>
           <a:xfrm>
-            <a:off x="1736217" y="1687343"/>
+            <a:off x="1874763" y="1687343"/>
             <a:ext cx="7920401" cy="4455226"/>
           </a:xfrm>
           <a:prstGeom prst="rect">

--- a/Xecured Password Manager Documents/Xecure Password Manager.pptx
+++ b/Xecured Password Manager Documents/Xecure Password Manager.pptx
@@ -2818,7 +2818,7 @@
           <a:p>
             <a:fld id="{DAA9AC6E-9236-48CD-8CA7-B2BACDF2F88F}" type="datetimeFigureOut">
               <a:rPr lang="en-US" smtClean="0"/>
-              <a:t>4/18/2022</a:t>
+              <a:t>4/20/2022</a:t>
             </a:fld>
             <a:endParaRPr lang="en-US"/>
           </a:p>
@@ -6300,7 +6300,7 @@
           <a:p>
             <a:fld id="{3C2B07E4-CDF9-4C88-A2F3-04620E58224D}" type="datetimeFigureOut">
               <a:rPr lang="en-US" smtClean="0"/>
-              <a:t>4/18/2022</a:t>
+              <a:t>4/20/2022</a:t>
             </a:fld>
             <a:endParaRPr lang="en-US"/>
           </a:p>
@@ -6590,7 +6590,7 @@
           <a:p>
             <a:fld id="{3C2B07E4-CDF9-4C88-A2F3-04620E58224D}" type="datetimeFigureOut">
               <a:rPr lang="en-US" smtClean="0"/>
-              <a:t>4/18/2022</a:t>
+              <a:t>4/20/2022</a:t>
             </a:fld>
             <a:endParaRPr lang="en-US"/>
           </a:p>
@@ -6842,7 +6842,7 @@
           <a:p>
             <a:fld id="{3C2B07E4-CDF9-4C88-A2F3-04620E58224D}" type="datetimeFigureOut">
               <a:rPr lang="en-US" smtClean="0"/>
-              <a:t>4/18/2022</a:t>
+              <a:t>4/20/2022</a:t>
             </a:fld>
             <a:endParaRPr lang="en-US"/>
           </a:p>
@@ -7094,7 +7094,7 @@
           <a:p>
             <a:fld id="{3C2B07E4-CDF9-4C88-A2F3-04620E58224D}" type="datetimeFigureOut">
               <a:rPr lang="en-US" smtClean="0"/>
-              <a:t>4/18/2022</a:t>
+              <a:t>4/20/2022</a:t>
             </a:fld>
             <a:endParaRPr lang="en-US"/>
           </a:p>
@@ -7423,7 +7423,7 @@
           <a:p>
             <a:fld id="{3C2B07E4-CDF9-4C88-A2F3-04620E58224D}" type="datetimeFigureOut">
               <a:rPr lang="en-US" smtClean="0"/>
-              <a:t>4/18/2022</a:t>
+              <a:t>4/20/2022</a:t>
             </a:fld>
             <a:endParaRPr lang="en-US"/>
           </a:p>
@@ -7773,7 +7773,7 @@
           <a:p>
             <a:fld id="{3C2B07E4-CDF9-4C88-A2F3-04620E58224D}" type="datetimeFigureOut">
               <a:rPr lang="en-US" smtClean="0"/>
-              <a:t>4/18/2022</a:t>
+              <a:t>4/20/2022</a:t>
             </a:fld>
             <a:endParaRPr lang="en-US"/>
           </a:p>
@@ -8285,7 +8285,7 @@
           <a:p>
             <a:fld id="{3C2B07E4-CDF9-4C88-A2F3-04620E58224D}" type="datetimeFigureOut">
               <a:rPr lang="en-US" smtClean="0"/>
-              <a:t>4/18/2022</a:t>
+              <a:t>4/20/2022</a:t>
             </a:fld>
             <a:endParaRPr lang="en-US"/>
           </a:p>
@@ -8613,7 +8613,7 @@
           <a:p>
             <a:fld id="{3C2B07E4-CDF9-4C88-A2F3-04620E58224D}" type="datetimeFigureOut">
               <a:rPr lang="en-US" smtClean="0"/>
-              <a:t>4/18/2022</a:t>
+              <a:t>4/20/2022</a:t>
             </a:fld>
             <a:endParaRPr lang="en-US"/>
           </a:p>
@@ -8726,7 +8726,7 @@
           <a:p>
             <a:fld id="{3C2B07E4-CDF9-4C88-A2F3-04620E58224D}" type="datetimeFigureOut">
               <a:rPr lang="en-US" smtClean="0"/>
-              <a:t>4/18/2022</a:t>
+              <a:t>4/20/2022</a:t>
             </a:fld>
             <a:endParaRPr lang="en-US"/>
           </a:p>
@@ -9067,7 +9067,7 @@
           <a:p>
             <a:fld id="{3C2B07E4-CDF9-4C88-A2F3-04620E58224D}" type="datetimeFigureOut">
               <a:rPr lang="en-US" smtClean="0"/>
-              <a:t>4/18/2022</a:t>
+              <a:t>4/20/2022</a:t>
             </a:fld>
             <a:endParaRPr lang="en-US"/>
           </a:p>
@@ -9367,7 +9367,7 @@
           <a:p>
             <a:fld id="{3C2B07E4-CDF9-4C88-A2F3-04620E58224D}" type="datetimeFigureOut">
               <a:rPr lang="en-US" smtClean="0"/>
-              <a:t>4/18/2022</a:t>
+              <a:t>4/20/2022</a:t>
             </a:fld>
             <a:endParaRPr lang="en-US"/>
           </a:p>
@@ -9607,7 +9607,7 @@
             <a:fld id="{3C2B07E4-CDF9-4C88-A2F3-04620E58224D}" type="datetimeFigureOut">
               <a:rPr lang="en-US" smtClean="0"/>
               <a:pPr/>
-              <a:t>4/18/2022</a:t>
+              <a:t>4/20/2022</a:t>
             </a:fld>
             <a:endParaRPr lang="en-US" dirty="0"/>
           </a:p>
@@ -17639,8 +17639,8 @@
         </p:blipFill>
         <p:spPr>
           <a:xfrm>
-            <a:off x="6386483" y="1718221"/>
-            <a:ext cx="5248789" cy="4104372"/>
+            <a:off x="6434188" y="1875665"/>
+            <a:ext cx="5153380" cy="3810000"/>
           </a:xfrm>
           <a:prstGeom prst="rect">
             <a:avLst/>
